--- a/docs/diagrams/ModelComponentClassBetterOopDiagram.pptx
+++ b/docs/diagrams/ModelComponentClassBetterOopDiagram.pptx
@@ -1,19 +1,114 @@
 
 <file path=ppt/presentation.xml><?xml version="1.0" encoding="utf-8"?>
-<p:presentation xmlns:a="http://schemas.openxmlformats.org/drawingml/2006/main" xmlns:p="http://schemas.openxmlformats.org/presentationml/2006/main" xmlns:r="http://schemas.openxmlformats.org/officeDocument/2006/relationships" xmlns:p14="http://schemas.microsoft.com/office/powerpoint/2010/main" xmlns:p15="http://schemas.microsoft.com/office/powerpoint/2012/main" xmlns:mc="http://schemas.openxmlformats.org/markup-compatibility/2006">
+<p:presentation xmlns:a="http://schemas.openxmlformats.org/drawingml/2006/main" xmlns:r="http://schemas.openxmlformats.org/officeDocument/2006/relationships" xmlns:p="http://schemas.openxmlformats.org/presentationml/2006/main">
   <p:sldMasterIdLst>
-    <p:sldMasterId id="2147483648" r:id="rId2"/>
+    <p:sldMasterId id="2147483648" r:id="rId1"/>
   </p:sldMasterIdLst>
   <p:sldIdLst>
-    <p:sldId id="256" r:id="rId3"/>
+    <p:sldId id="256" r:id="rId2"/>
   </p:sldIdLst>
-  <p:sldSz cx="9144000" cy="6858000"/>
-  <p:notesSz cx="7559675" cy="10691812"/>
+  <p:sldSz cx="9144000" cy="6858000" type="screen4x3"/>
+  <p:notesSz cx="7559675" cy="10691813"/>
+  <p:defaultTextStyle>
+    <a:defPPr>
+      <a:defRPr lang="en-US"/>
+    </a:defPPr>
+    <a:lvl1pPr marL="0" algn="l" defTabSz="914400" rtl="0" eaLnBrk="1" latinLnBrk="0" hangingPunct="1">
+      <a:defRPr sz="1800" kern="1200">
+        <a:solidFill>
+          <a:schemeClr val="tx1"/>
+        </a:solidFill>
+        <a:latin typeface="+mn-lt"/>
+        <a:ea typeface="+mn-ea"/>
+        <a:cs typeface="+mn-cs"/>
+      </a:defRPr>
+    </a:lvl1pPr>
+    <a:lvl2pPr marL="457200" algn="l" defTabSz="914400" rtl="0" eaLnBrk="1" latinLnBrk="0" hangingPunct="1">
+      <a:defRPr sz="1800" kern="1200">
+        <a:solidFill>
+          <a:schemeClr val="tx1"/>
+        </a:solidFill>
+        <a:latin typeface="+mn-lt"/>
+        <a:ea typeface="+mn-ea"/>
+        <a:cs typeface="+mn-cs"/>
+      </a:defRPr>
+    </a:lvl2pPr>
+    <a:lvl3pPr marL="914400" algn="l" defTabSz="914400" rtl="0" eaLnBrk="1" latinLnBrk="0" hangingPunct="1">
+      <a:defRPr sz="1800" kern="1200">
+        <a:solidFill>
+          <a:schemeClr val="tx1"/>
+        </a:solidFill>
+        <a:latin typeface="+mn-lt"/>
+        <a:ea typeface="+mn-ea"/>
+        <a:cs typeface="+mn-cs"/>
+      </a:defRPr>
+    </a:lvl3pPr>
+    <a:lvl4pPr marL="1371600" algn="l" defTabSz="914400" rtl="0" eaLnBrk="1" latinLnBrk="0" hangingPunct="1">
+      <a:defRPr sz="1800" kern="1200">
+        <a:solidFill>
+          <a:schemeClr val="tx1"/>
+        </a:solidFill>
+        <a:latin typeface="+mn-lt"/>
+        <a:ea typeface="+mn-ea"/>
+        <a:cs typeface="+mn-cs"/>
+      </a:defRPr>
+    </a:lvl4pPr>
+    <a:lvl5pPr marL="1828800" algn="l" defTabSz="914400" rtl="0" eaLnBrk="1" latinLnBrk="0" hangingPunct="1">
+      <a:defRPr sz="1800" kern="1200">
+        <a:solidFill>
+          <a:schemeClr val="tx1"/>
+        </a:solidFill>
+        <a:latin typeface="+mn-lt"/>
+        <a:ea typeface="+mn-ea"/>
+        <a:cs typeface="+mn-cs"/>
+      </a:defRPr>
+    </a:lvl5pPr>
+    <a:lvl6pPr marL="2286000" algn="l" defTabSz="914400" rtl="0" eaLnBrk="1" latinLnBrk="0" hangingPunct="1">
+      <a:defRPr sz="1800" kern="1200">
+        <a:solidFill>
+          <a:schemeClr val="tx1"/>
+        </a:solidFill>
+        <a:latin typeface="+mn-lt"/>
+        <a:ea typeface="+mn-ea"/>
+        <a:cs typeface="+mn-cs"/>
+      </a:defRPr>
+    </a:lvl6pPr>
+    <a:lvl7pPr marL="2743200" algn="l" defTabSz="914400" rtl="0" eaLnBrk="1" latinLnBrk="0" hangingPunct="1">
+      <a:defRPr sz="1800" kern="1200">
+        <a:solidFill>
+          <a:schemeClr val="tx1"/>
+        </a:solidFill>
+        <a:latin typeface="+mn-lt"/>
+        <a:ea typeface="+mn-ea"/>
+        <a:cs typeface="+mn-cs"/>
+      </a:defRPr>
+    </a:lvl7pPr>
+    <a:lvl8pPr marL="3200400" algn="l" defTabSz="914400" rtl="0" eaLnBrk="1" latinLnBrk="0" hangingPunct="1">
+      <a:defRPr sz="1800" kern="1200">
+        <a:solidFill>
+          <a:schemeClr val="tx1"/>
+        </a:solidFill>
+        <a:latin typeface="+mn-lt"/>
+        <a:ea typeface="+mn-ea"/>
+        <a:cs typeface="+mn-cs"/>
+      </a:defRPr>
+    </a:lvl8pPr>
+    <a:lvl9pPr marL="3657600" algn="l" defTabSz="914400" rtl="0" eaLnBrk="1" latinLnBrk="0" hangingPunct="1">
+      <a:defRPr sz="1800" kern="1200">
+        <a:solidFill>
+          <a:schemeClr val="tx1"/>
+        </a:solidFill>
+        <a:latin typeface="+mn-lt"/>
+        <a:ea typeface="+mn-ea"/>
+        <a:cs typeface="+mn-cs"/>
+      </a:defRPr>
+    </a:lvl9pPr>
+  </p:defaultTextStyle>
 </p:presentation>
 </file>
 
 <file path=ppt/slideLayouts/slideLayout1.xml><?xml version="1.0" encoding="utf-8"?>
-<p:sldLayout xmlns:a="http://schemas.openxmlformats.org/drawingml/2006/main" xmlns:p="http://schemas.openxmlformats.org/presentationml/2006/main" xmlns:r="http://schemas.openxmlformats.org/officeDocument/2006/relationships" xmlns:p14="http://schemas.microsoft.com/office/powerpoint/2010/main" xmlns:p15="http://schemas.microsoft.com/office/powerpoint/2012/main" xmlns:mc="http://schemas.openxmlformats.org/markup-compatibility/2006" type="blank" preserve="1">
+<p:sldLayout xmlns:a="http://schemas.openxmlformats.org/drawingml/2006/main" xmlns:r="http://schemas.openxmlformats.org/officeDocument/2006/relationships" xmlns:p="http://schemas.openxmlformats.org/presentationml/2006/main" type="blank" preserve="1">
   <p:cSld name="Blank Slide">
     <p:spTree>
       <p:nvGrpSpPr>
@@ -31,11 +126,14 @@
       </p:grpSpPr>
     </p:spTree>
   </p:cSld>
+  <p:clrMapOvr>
+    <a:masterClrMapping/>
+  </p:clrMapOvr>
 </p:sldLayout>
 </file>
 
 <file path=ppt/slideLayouts/slideLayout10.xml><?xml version="1.0" encoding="utf-8"?>
-<p:sldLayout xmlns:a="http://schemas.openxmlformats.org/drawingml/2006/main" xmlns:p="http://schemas.openxmlformats.org/presentationml/2006/main" xmlns:r="http://schemas.openxmlformats.org/officeDocument/2006/relationships" xmlns:p14="http://schemas.microsoft.com/office/powerpoint/2010/main" xmlns:p15="http://schemas.microsoft.com/office/powerpoint/2012/main" xmlns:mc="http://schemas.openxmlformats.org/markup-compatibility/2006" type="objOverTx" preserve="1">
+<p:sldLayout xmlns:a="http://schemas.openxmlformats.org/drawingml/2006/main" xmlns:r="http://schemas.openxmlformats.org/officeDocument/2006/relationships" xmlns:p="http://schemas.openxmlformats.org/presentationml/2006/main" type="objOverTx" preserve="1">
   <p:cSld name="Title, Content over Content">
     <p:spTree>
       <p:nvGrpSpPr>
@@ -71,9 +169,10 @@
           </a:prstGeom>
         </p:spPr>
         <p:txBody>
-          <a:bodyPr lIns="0" rIns="0" tIns="0" bIns="0" anchor="ctr"/>
-          <a:p>
-            <a:endParaRPr b="0" lang="en-US" sz="1800" spc="-1" strike="noStrike">
+          <a:bodyPr lIns="0" tIns="0" rIns="0" bIns="0" anchor="ctr"/>
+          <a:lstStyle/>
+          <a:p>
+            <a:endParaRPr lang="en-US" sz="1800" b="0" strike="noStrike" spc="-1">
               <a:solidFill>
                 <a:srgbClr val="000000"/>
               </a:solidFill>
@@ -102,11 +201,12 @@
           </a:prstGeom>
         </p:spPr>
         <p:txBody>
-          <a:bodyPr lIns="0" rIns="0" tIns="0" bIns="0">
+          <a:bodyPr lIns="0" tIns="0" rIns="0" bIns="0">
             <a:normAutofit/>
           </a:bodyPr>
-          <a:p>
-            <a:endParaRPr b="0" lang="en-US" sz="3200" spc="-1" strike="noStrike">
+          <a:lstStyle/>
+          <a:p>
+            <a:endParaRPr lang="en-US" sz="3200" b="0" strike="noStrike" spc="-1">
               <a:solidFill>
                 <a:srgbClr val="000000"/>
               </a:solidFill>
@@ -135,11 +235,12 @@
           </a:prstGeom>
         </p:spPr>
         <p:txBody>
-          <a:bodyPr lIns="0" rIns="0" tIns="0" bIns="0">
+          <a:bodyPr lIns="0" tIns="0" rIns="0" bIns="0">
             <a:normAutofit/>
           </a:bodyPr>
-          <a:p>
-            <a:endParaRPr b="0" lang="en-US" sz="3200" spc="-1" strike="noStrike">
+          <a:lstStyle/>
+          <a:p>
+            <a:endParaRPr lang="en-US" sz="3200" b="0" strike="noStrike" spc="-1">
               <a:solidFill>
                 <a:srgbClr val="000000"/>
               </a:solidFill>
@@ -150,11 +251,14 @@
       </p:sp>
     </p:spTree>
   </p:cSld>
+  <p:clrMapOvr>
+    <a:masterClrMapping/>
+  </p:clrMapOvr>
 </p:sldLayout>
 </file>
 
 <file path=ppt/slideLayouts/slideLayout11.xml><?xml version="1.0" encoding="utf-8"?>
-<p:sldLayout xmlns:a="http://schemas.openxmlformats.org/drawingml/2006/main" xmlns:p="http://schemas.openxmlformats.org/presentationml/2006/main" xmlns:r="http://schemas.openxmlformats.org/officeDocument/2006/relationships" xmlns:p14="http://schemas.microsoft.com/office/powerpoint/2010/main" xmlns:p15="http://schemas.microsoft.com/office/powerpoint/2012/main" xmlns:mc="http://schemas.openxmlformats.org/markup-compatibility/2006" type="fourObj" preserve="1">
+<p:sldLayout xmlns:a="http://schemas.openxmlformats.org/drawingml/2006/main" xmlns:r="http://schemas.openxmlformats.org/officeDocument/2006/relationships" xmlns:p="http://schemas.openxmlformats.org/presentationml/2006/main" type="fourObj" preserve="1">
   <p:cSld name="Title, 4 Content">
     <p:spTree>
       <p:nvGrpSpPr>
@@ -190,9 +294,10 @@
           </a:prstGeom>
         </p:spPr>
         <p:txBody>
-          <a:bodyPr lIns="0" rIns="0" tIns="0" bIns="0" anchor="ctr"/>
-          <a:p>
-            <a:endParaRPr b="0" lang="en-US" sz="1800" spc="-1" strike="noStrike">
+          <a:bodyPr lIns="0" tIns="0" rIns="0" bIns="0" anchor="ctr"/>
+          <a:lstStyle/>
+          <a:p>
+            <a:endParaRPr lang="en-US" sz="1800" b="0" strike="noStrike" spc="-1">
               <a:solidFill>
                 <a:srgbClr val="000000"/>
               </a:solidFill>
@@ -221,11 +326,12 @@
           </a:prstGeom>
         </p:spPr>
         <p:txBody>
-          <a:bodyPr lIns="0" rIns="0" tIns="0" bIns="0">
+          <a:bodyPr lIns="0" tIns="0" rIns="0" bIns="0">
             <a:normAutofit/>
           </a:bodyPr>
-          <a:p>
-            <a:endParaRPr b="0" lang="en-US" sz="3200" spc="-1" strike="noStrike">
+          <a:lstStyle/>
+          <a:p>
+            <a:endParaRPr lang="en-US" sz="3200" b="0" strike="noStrike" spc="-1">
               <a:solidFill>
                 <a:srgbClr val="000000"/>
               </a:solidFill>
@@ -254,11 +360,12 @@
           </a:prstGeom>
         </p:spPr>
         <p:txBody>
-          <a:bodyPr lIns="0" rIns="0" tIns="0" bIns="0">
+          <a:bodyPr lIns="0" tIns="0" rIns="0" bIns="0">
             <a:normAutofit/>
           </a:bodyPr>
-          <a:p>
-            <a:endParaRPr b="0" lang="en-US" sz="3200" spc="-1" strike="noStrike">
+          <a:lstStyle/>
+          <a:p>
+            <a:endParaRPr lang="en-US" sz="3200" b="0" strike="noStrike" spc="-1">
               <a:solidFill>
                 <a:srgbClr val="000000"/>
               </a:solidFill>
@@ -287,11 +394,12 @@
           </a:prstGeom>
         </p:spPr>
         <p:txBody>
-          <a:bodyPr lIns="0" rIns="0" tIns="0" bIns="0">
+          <a:bodyPr lIns="0" tIns="0" rIns="0" bIns="0">
             <a:normAutofit/>
           </a:bodyPr>
-          <a:p>
-            <a:endParaRPr b="0" lang="en-US" sz="3200" spc="-1" strike="noStrike">
+          <a:lstStyle/>
+          <a:p>
+            <a:endParaRPr lang="en-US" sz="3200" b="0" strike="noStrike" spc="-1">
               <a:solidFill>
                 <a:srgbClr val="000000"/>
               </a:solidFill>
@@ -320,11 +428,12 @@
           </a:prstGeom>
         </p:spPr>
         <p:txBody>
-          <a:bodyPr lIns="0" rIns="0" tIns="0" bIns="0">
+          <a:bodyPr lIns="0" tIns="0" rIns="0" bIns="0">
             <a:normAutofit/>
           </a:bodyPr>
-          <a:p>
-            <a:endParaRPr b="0" lang="en-US" sz="3200" spc="-1" strike="noStrike">
+          <a:lstStyle/>
+          <a:p>
+            <a:endParaRPr lang="en-US" sz="3200" b="0" strike="noStrike" spc="-1">
               <a:solidFill>
                 <a:srgbClr val="000000"/>
               </a:solidFill>
@@ -335,11 +444,14 @@
       </p:sp>
     </p:spTree>
   </p:cSld>
+  <p:clrMapOvr>
+    <a:masterClrMapping/>
+  </p:clrMapOvr>
 </p:sldLayout>
 </file>
 
 <file path=ppt/slideLayouts/slideLayout12.xml><?xml version="1.0" encoding="utf-8"?>
-<p:sldLayout xmlns:a="http://schemas.openxmlformats.org/drawingml/2006/main" xmlns:p="http://schemas.openxmlformats.org/presentationml/2006/main" xmlns:r="http://schemas.openxmlformats.org/officeDocument/2006/relationships" xmlns:p14="http://schemas.microsoft.com/office/powerpoint/2010/main" xmlns:p15="http://schemas.microsoft.com/office/powerpoint/2012/main" xmlns:mc="http://schemas.openxmlformats.org/markup-compatibility/2006" type="blank" preserve="1">
+<p:sldLayout xmlns:a="http://schemas.openxmlformats.org/drawingml/2006/main" xmlns:r="http://schemas.openxmlformats.org/officeDocument/2006/relationships" xmlns:p="http://schemas.openxmlformats.org/presentationml/2006/main" type="blank" preserve="1">
   <p:cSld name="Title, 6 Content">
     <p:spTree>
       <p:nvGrpSpPr>
@@ -375,9 +487,10 @@
           </a:prstGeom>
         </p:spPr>
         <p:txBody>
-          <a:bodyPr lIns="0" rIns="0" tIns="0" bIns="0" anchor="ctr"/>
-          <a:p>
-            <a:endParaRPr b="0" lang="en-US" sz="1800" spc="-1" strike="noStrike">
+          <a:bodyPr lIns="0" tIns="0" rIns="0" bIns="0" anchor="ctr"/>
+          <a:lstStyle/>
+          <a:p>
+            <a:endParaRPr lang="en-US" sz="1800" b="0" strike="noStrike" spc="-1">
               <a:solidFill>
                 <a:srgbClr val="000000"/>
               </a:solidFill>
@@ -406,11 +519,12 @@
           </a:prstGeom>
         </p:spPr>
         <p:txBody>
-          <a:bodyPr lIns="0" rIns="0" tIns="0" bIns="0">
+          <a:bodyPr lIns="0" tIns="0" rIns="0" bIns="0">
             <a:normAutofit/>
           </a:bodyPr>
-          <a:p>
-            <a:endParaRPr b="0" lang="en-US" sz="3200" spc="-1" strike="noStrike">
+          <a:lstStyle/>
+          <a:p>
+            <a:endParaRPr lang="en-US" sz="3200" b="0" strike="noStrike" spc="-1">
               <a:solidFill>
                 <a:srgbClr val="000000"/>
               </a:solidFill>
@@ -439,11 +553,12 @@
           </a:prstGeom>
         </p:spPr>
         <p:txBody>
-          <a:bodyPr lIns="0" rIns="0" tIns="0" bIns="0">
+          <a:bodyPr lIns="0" tIns="0" rIns="0" bIns="0">
             <a:normAutofit/>
           </a:bodyPr>
-          <a:p>
-            <a:endParaRPr b="0" lang="en-US" sz="3200" spc="-1" strike="noStrike">
+          <a:lstStyle/>
+          <a:p>
+            <a:endParaRPr lang="en-US" sz="3200" b="0" strike="noStrike" spc="-1">
               <a:solidFill>
                 <a:srgbClr val="000000"/>
               </a:solidFill>
@@ -472,11 +587,12 @@
           </a:prstGeom>
         </p:spPr>
         <p:txBody>
-          <a:bodyPr lIns="0" rIns="0" tIns="0" bIns="0">
+          <a:bodyPr lIns="0" tIns="0" rIns="0" bIns="0">
             <a:normAutofit/>
           </a:bodyPr>
-          <a:p>
-            <a:endParaRPr b="0" lang="en-US" sz="3200" spc="-1" strike="noStrike">
+          <a:lstStyle/>
+          <a:p>
+            <a:endParaRPr lang="en-US" sz="3200" b="0" strike="noStrike" spc="-1">
               <a:solidFill>
                 <a:srgbClr val="000000"/>
               </a:solidFill>
@@ -505,11 +621,12 @@
           </a:prstGeom>
         </p:spPr>
         <p:txBody>
-          <a:bodyPr lIns="0" rIns="0" tIns="0" bIns="0">
+          <a:bodyPr lIns="0" tIns="0" rIns="0" bIns="0">
             <a:normAutofit/>
           </a:bodyPr>
-          <a:p>
-            <a:endParaRPr b="0" lang="en-US" sz="3200" spc="-1" strike="noStrike">
+          <a:lstStyle/>
+          <a:p>
+            <a:endParaRPr lang="en-US" sz="3200" b="0" strike="noStrike" spc="-1">
               <a:solidFill>
                 <a:srgbClr val="000000"/>
               </a:solidFill>
@@ -538,11 +655,12 @@
           </a:prstGeom>
         </p:spPr>
         <p:txBody>
-          <a:bodyPr lIns="0" rIns="0" tIns="0" bIns="0">
+          <a:bodyPr lIns="0" tIns="0" rIns="0" bIns="0">
             <a:normAutofit/>
           </a:bodyPr>
-          <a:p>
-            <a:endParaRPr b="0" lang="en-US" sz="3200" spc="-1" strike="noStrike">
+          <a:lstStyle/>
+          <a:p>
+            <a:endParaRPr lang="en-US" sz="3200" b="0" strike="noStrike" spc="-1">
               <a:solidFill>
                 <a:srgbClr val="000000"/>
               </a:solidFill>
@@ -571,11 +689,12 @@
           </a:prstGeom>
         </p:spPr>
         <p:txBody>
-          <a:bodyPr lIns="0" rIns="0" tIns="0" bIns="0">
+          <a:bodyPr lIns="0" tIns="0" rIns="0" bIns="0">
             <a:normAutofit/>
           </a:bodyPr>
-          <a:p>
-            <a:endParaRPr b="0" lang="en-US" sz="3200" spc="-1" strike="noStrike">
+          <a:lstStyle/>
+          <a:p>
+            <a:endParaRPr lang="en-US" sz="3200" b="0" strike="noStrike" spc="-1">
               <a:solidFill>
                 <a:srgbClr val="000000"/>
               </a:solidFill>
@@ -586,11 +705,14 @@
       </p:sp>
     </p:spTree>
   </p:cSld>
+  <p:clrMapOvr>
+    <a:masterClrMapping/>
+  </p:clrMapOvr>
 </p:sldLayout>
 </file>
 
 <file path=ppt/slideLayouts/slideLayout2.xml><?xml version="1.0" encoding="utf-8"?>
-<p:sldLayout xmlns:a="http://schemas.openxmlformats.org/drawingml/2006/main" xmlns:p="http://schemas.openxmlformats.org/presentationml/2006/main" xmlns:r="http://schemas.openxmlformats.org/officeDocument/2006/relationships" xmlns:p14="http://schemas.microsoft.com/office/powerpoint/2010/main" xmlns:p15="http://schemas.microsoft.com/office/powerpoint/2012/main" xmlns:mc="http://schemas.openxmlformats.org/markup-compatibility/2006" type="tx" preserve="1">
+<p:sldLayout xmlns:a="http://schemas.openxmlformats.org/drawingml/2006/main" xmlns:r="http://schemas.openxmlformats.org/officeDocument/2006/relationships" xmlns:p="http://schemas.openxmlformats.org/presentationml/2006/main" type="tx" preserve="1">
   <p:cSld name="Title Slide">
     <p:spTree>
       <p:nvGrpSpPr>
@@ -626,9 +748,10 @@
           </a:prstGeom>
         </p:spPr>
         <p:txBody>
-          <a:bodyPr lIns="0" rIns="0" tIns="0" bIns="0" anchor="ctr"/>
-          <a:p>
-            <a:endParaRPr b="0" lang="en-US" sz="1800" spc="-1" strike="noStrike">
+          <a:bodyPr lIns="0" tIns="0" rIns="0" bIns="0" anchor="ctr"/>
+          <a:lstStyle/>
+          <a:p>
+            <a:endParaRPr lang="en-US" sz="1800" b="0" strike="noStrike" spc="-1">
               <a:solidFill>
                 <a:srgbClr val="000000"/>
               </a:solidFill>
@@ -657,10 +780,11 @@
           </a:prstGeom>
         </p:spPr>
         <p:txBody>
-          <a:bodyPr lIns="0" rIns="0" tIns="0" bIns="0" anchor="ctr"/>
+          <a:bodyPr lIns="0" tIns="0" rIns="0" bIns="0" anchor="ctr"/>
+          <a:lstStyle/>
           <a:p>
             <a:pPr algn="ctr"/>
-            <a:endParaRPr b="0" lang="en-SG" sz="3200" spc="-1" strike="noStrike">
+            <a:endParaRPr lang="en-SG" sz="3200" b="0" strike="noStrike" spc="-1">
               <a:latin typeface="Arial"/>
             </a:endParaRPr>
           </a:p>
@@ -668,11 +792,14 @@
       </p:sp>
     </p:spTree>
   </p:cSld>
+  <p:clrMapOvr>
+    <a:masterClrMapping/>
+  </p:clrMapOvr>
 </p:sldLayout>
 </file>
 
 <file path=ppt/slideLayouts/slideLayout3.xml><?xml version="1.0" encoding="utf-8"?>
-<p:sldLayout xmlns:a="http://schemas.openxmlformats.org/drawingml/2006/main" xmlns:p="http://schemas.openxmlformats.org/presentationml/2006/main" xmlns:r="http://schemas.openxmlformats.org/officeDocument/2006/relationships" xmlns:p14="http://schemas.microsoft.com/office/powerpoint/2010/main" xmlns:p15="http://schemas.microsoft.com/office/powerpoint/2012/main" xmlns:mc="http://schemas.openxmlformats.org/markup-compatibility/2006" type="obj" preserve="1">
+<p:sldLayout xmlns:a="http://schemas.openxmlformats.org/drawingml/2006/main" xmlns:r="http://schemas.openxmlformats.org/officeDocument/2006/relationships" xmlns:p="http://schemas.openxmlformats.org/presentationml/2006/main" type="obj" preserve="1">
   <p:cSld name="Title, Content">
     <p:spTree>
       <p:nvGrpSpPr>
@@ -708,9 +835,10 @@
           </a:prstGeom>
         </p:spPr>
         <p:txBody>
-          <a:bodyPr lIns="0" rIns="0" tIns="0" bIns="0" anchor="ctr"/>
-          <a:p>
-            <a:endParaRPr b="0" lang="en-US" sz="1800" spc="-1" strike="noStrike">
+          <a:bodyPr lIns="0" tIns="0" rIns="0" bIns="0" anchor="ctr"/>
+          <a:lstStyle/>
+          <a:p>
+            <a:endParaRPr lang="en-US" sz="1800" b="0" strike="noStrike" spc="-1">
               <a:solidFill>
                 <a:srgbClr val="000000"/>
               </a:solidFill>
@@ -739,11 +867,12 @@
           </a:prstGeom>
         </p:spPr>
         <p:txBody>
-          <a:bodyPr lIns="0" rIns="0" tIns="0" bIns="0">
+          <a:bodyPr lIns="0" tIns="0" rIns="0" bIns="0">
             <a:normAutofit/>
           </a:bodyPr>
-          <a:p>
-            <a:endParaRPr b="0" lang="en-US" sz="3200" spc="-1" strike="noStrike">
+          <a:lstStyle/>
+          <a:p>
+            <a:endParaRPr lang="en-US" sz="3200" b="0" strike="noStrike" spc="-1">
               <a:solidFill>
                 <a:srgbClr val="000000"/>
               </a:solidFill>
@@ -754,11 +883,14 @@
       </p:sp>
     </p:spTree>
   </p:cSld>
+  <p:clrMapOvr>
+    <a:masterClrMapping/>
+  </p:clrMapOvr>
 </p:sldLayout>
 </file>
 
 <file path=ppt/slideLayouts/slideLayout4.xml><?xml version="1.0" encoding="utf-8"?>
-<p:sldLayout xmlns:a="http://schemas.openxmlformats.org/drawingml/2006/main" xmlns:p="http://schemas.openxmlformats.org/presentationml/2006/main" xmlns:r="http://schemas.openxmlformats.org/officeDocument/2006/relationships" xmlns:p14="http://schemas.microsoft.com/office/powerpoint/2010/main" xmlns:p15="http://schemas.microsoft.com/office/powerpoint/2012/main" xmlns:mc="http://schemas.openxmlformats.org/markup-compatibility/2006" type="twoObj" preserve="1">
+<p:sldLayout xmlns:a="http://schemas.openxmlformats.org/drawingml/2006/main" xmlns:r="http://schemas.openxmlformats.org/officeDocument/2006/relationships" xmlns:p="http://schemas.openxmlformats.org/presentationml/2006/main" type="twoObj" preserve="1">
   <p:cSld name="Title, 2 Content">
     <p:spTree>
       <p:nvGrpSpPr>
@@ -794,9 +926,10 @@
           </a:prstGeom>
         </p:spPr>
         <p:txBody>
-          <a:bodyPr lIns="0" rIns="0" tIns="0" bIns="0" anchor="ctr"/>
-          <a:p>
-            <a:endParaRPr b="0" lang="en-US" sz="1800" spc="-1" strike="noStrike">
+          <a:bodyPr lIns="0" tIns="0" rIns="0" bIns="0" anchor="ctr"/>
+          <a:lstStyle/>
+          <a:p>
+            <a:endParaRPr lang="en-US" sz="1800" b="0" strike="noStrike" spc="-1">
               <a:solidFill>
                 <a:srgbClr val="000000"/>
               </a:solidFill>
@@ -825,11 +958,12 @@
           </a:prstGeom>
         </p:spPr>
         <p:txBody>
-          <a:bodyPr lIns="0" rIns="0" tIns="0" bIns="0">
+          <a:bodyPr lIns="0" tIns="0" rIns="0" bIns="0">
             <a:normAutofit/>
           </a:bodyPr>
-          <a:p>
-            <a:endParaRPr b="0" lang="en-US" sz="3200" spc="-1" strike="noStrike">
+          <a:lstStyle/>
+          <a:p>
+            <a:endParaRPr lang="en-US" sz="3200" b="0" strike="noStrike" spc="-1">
               <a:solidFill>
                 <a:srgbClr val="000000"/>
               </a:solidFill>
@@ -858,11 +992,12 @@
           </a:prstGeom>
         </p:spPr>
         <p:txBody>
-          <a:bodyPr lIns="0" rIns="0" tIns="0" bIns="0">
+          <a:bodyPr lIns="0" tIns="0" rIns="0" bIns="0">
             <a:normAutofit/>
           </a:bodyPr>
-          <a:p>
-            <a:endParaRPr b="0" lang="en-US" sz="3200" spc="-1" strike="noStrike">
+          <a:lstStyle/>
+          <a:p>
+            <a:endParaRPr lang="en-US" sz="3200" b="0" strike="noStrike" spc="-1">
               <a:solidFill>
                 <a:srgbClr val="000000"/>
               </a:solidFill>
@@ -873,11 +1008,14 @@
       </p:sp>
     </p:spTree>
   </p:cSld>
+  <p:clrMapOvr>
+    <a:masterClrMapping/>
+  </p:clrMapOvr>
 </p:sldLayout>
 </file>
 
 <file path=ppt/slideLayouts/slideLayout5.xml><?xml version="1.0" encoding="utf-8"?>
-<p:sldLayout xmlns:a="http://schemas.openxmlformats.org/drawingml/2006/main" xmlns:p="http://schemas.openxmlformats.org/presentationml/2006/main" xmlns:r="http://schemas.openxmlformats.org/officeDocument/2006/relationships" xmlns:p14="http://schemas.microsoft.com/office/powerpoint/2010/main" xmlns:p15="http://schemas.microsoft.com/office/powerpoint/2012/main" xmlns:mc="http://schemas.openxmlformats.org/markup-compatibility/2006" type="titleOnly" preserve="1">
+<p:sldLayout xmlns:a="http://schemas.openxmlformats.org/drawingml/2006/main" xmlns:r="http://schemas.openxmlformats.org/officeDocument/2006/relationships" xmlns:p="http://schemas.openxmlformats.org/presentationml/2006/main" type="titleOnly" preserve="1">
   <p:cSld name="Title Only">
     <p:spTree>
       <p:nvGrpSpPr>
@@ -913,9 +1051,10 @@
           </a:prstGeom>
         </p:spPr>
         <p:txBody>
-          <a:bodyPr lIns="0" rIns="0" tIns="0" bIns="0" anchor="ctr"/>
-          <a:p>
-            <a:endParaRPr b="0" lang="en-US" sz="1800" spc="-1" strike="noStrike">
+          <a:bodyPr lIns="0" tIns="0" rIns="0" bIns="0" anchor="ctr"/>
+          <a:lstStyle/>
+          <a:p>
+            <a:endParaRPr lang="en-US" sz="1800" b="0" strike="noStrike" spc="-1">
               <a:solidFill>
                 <a:srgbClr val="000000"/>
               </a:solidFill>
@@ -926,11 +1065,14 @@
       </p:sp>
     </p:spTree>
   </p:cSld>
+  <p:clrMapOvr>
+    <a:masterClrMapping/>
+  </p:clrMapOvr>
 </p:sldLayout>
 </file>
 
 <file path=ppt/slideLayouts/slideLayout6.xml><?xml version="1.0" encoding="utf-8"?>
-<p:sldLayout xmlns:a="http://schemas.openxmlformats.org/drawingml/2006/main" xmlns:p="http://schemas.openxmlformats.org/presentationml/2006/main" xmlns:r="http://schemas.openxmlformats.org/officeDocument/2006/relationships" xmlns:p14="http://schemas.microsoft.com/office/powerpoint/2010/main" xmlns:p15="http://schemas.microsoft.com/office/powerpoint/2012/main" xmlns:mc="http://schemas.openxmlformats.org/markup-compatibility/2006" type="objOnly" preserve="1">
+<p:sldLayout xmlns:a="http://schemas.openxmlformats.org/drawingml/2006/main" xmlns:r="http://schemas.openxmlformats.org/officeDocument/2006/relationships" xmlns:p="http://schemas.openxmlformats.org/presentationml/2006/main" type="objOnly" preserve="1">
   <p:cSld name="Centered Text">
     <p:spTree>
       <p:nvGrpSpPr>
@@ -966,10 +1108,11 @@
           </a:prstGeom>
         </p:spPr>
         <p:txBody>
-          <a:bodyPr lIns="0" rIns="0" tIns="0" bIns="0" anchor="ctr"/>
+          <a:bodyPr lIns="0" tIns="0" rIns="0" bIns="0" anchor="ctr"/>
+          <a:lstStyle/>
           <a:p>
             <a:pPr algn="ctr"/>
-            <a:endParaRPr b="0" lang="en-SG" sz="3200" spc="-1" strike="noStrike">
+            <a:endParaRPr lang="en-SG" sz="3200" b="0" strike="noStrike" spc="-1">
               <a:latin typeface="Arial"/>
             </a:endParaRPr>
           </a:p>
@@ -977,11 +1120,14 @@
       </p:sp>
     </p:spTree>
   </p:cSld>
+  <p:clrMapOvr>
+    <a:masterClrMapping/>
+  </p:clrMapOvr>
 </p:sldLayout>
 </file>
 
 <file path=ppt/slideLayouts/slideLayout7.xml><?xml version="1.0" encoding="utf-8"?>
-<p:sldLayout xmlns:a="http://schemas.openxmlformats.org/drawingml/2006/main" xmlns:p="http://schemas.openxmlformats.org/presentationml/2006/main" xmlns:r="http://schemas.openxmlformats.org/officeDocument/2006/relationships" xmlns:p14="http://schemas.microsoft.com/office/powerpoint/2010/main" xmlns:p15="http://schemas.microsoft.com/office/powerpoint/2012/main" xmlns:mc="http://schemas.openxmlformats.org/markup-compatibility/2006" type="twoObjAndObj" preserve="1">
+<p:sldLayout xmlns:a="http://schemas.openxmlformats.org/drawingml/2006/main" xmlns:r="http://schemas.openxmlformats.org/officeDocument/2006/relationships" xmlns:p="http://schemas.openxmlformats.org/presentationml/2006/main" type="twoObjAndObj" preserve="1">
   <p:cSld name="Title, 2 Content and Content">
     <p:spTree>
       <p:nvGrpSpPr>
@@ -1017,9 +1163,10 @@
           </a:prstGeom>
         </p:spPr>
         <p:txBody>
-          <a:bodyPr lIns="0" rIns="0" tIns="0" bIns="0" anchor="ctr"/>
-          <a:p>
-            <a:endParaRPr b="0" lang="en-US" sz="1800" spc="-1" strike="noStrike">
+          <a:bodyPr lIns="0" tIns="0" rIns="0" bIns="0" anchor="ctr"/>
+          <a:lstStyle/>
+          <a:p>
+            <a:endParaRPr lang="en-US" sz="1800" b="0" strike="noStrike" spc="-1">
               <a:solidFill>
                 <a:srgbClr val="000000"/>
               </a:solidFill>
@@ -1048,11 +1195,12 @@
           </a:prstGeom>
         </p:spPr>
         <p:txBody>
-          <a:bodyPr lIns="0" rIns="0" tIns="0" bIns="0">
+          <a:bodyPr lIns="0" tIns="0" rIns="0" bIns="0">
             <a:normAutofit/>
           </a:bodyPr>
-          <a:p>
-            <a:endParaRPr b="0" lang="en-US" sz="3200" spc="-1" strike="noStrike">
+          <a:lstStyle/>
+          <a:p>
+            <a:endParaRPr lang="en-US" sz="3200" b="0" strike="noStrike" spc="-1">
               <a:solidFill>
                 <a:srgbClr val="000000"/>
               </a:solidFill>
@@ -1081,11 +1229,12 @@
           </a:prstGeom>
         </p:spPr>
         <p:txBody>
-          <a:bodyPr lIns="0" rIns="0" tIns="0" bIns="0">
+          <a:bodyPr lIns="0" tIns="0" rIns="0" bIns="0">
             <a:normAutofit/>
           </a:bodyPr>
-          <a:p>
-            <a:endParaRPr b="0" lang="en-US" sz="3200" spc="-1" strike="noStrike">
+          <a:lstStyle/>
+          <a:p>
+            <a:endParaRPr lang="en-US" sz="3200" b="0" strike="noStrike" spc="-1">
               <a:solidFill>
                 <a:srgbClr val="000000"/>
               </a:solidFill>
@@ -1114,11 +1263,12 @@
           </a:prstGeom>
         </p:spPr>
         <p:txBody>
-          <a:bodyPr lIns="0" rIns="0" tIns="0" bIns="0">
+          <a:bodyPr lIns="0" tIns="0" rIns="0" bIns="0">
             <a:normAutofit/>
           </a:bodyPr>
-          <a:p>
-            <a:endParaRPr b="0" lang="en-US" sz="3200" spc="-1" strike="noStrike">
+          <a:lstStyle/>
+          <a:p>
+            <a:endParaRPr lang="en-US" sz="3200" b="0" strike="noStrike" spc="-1">
               <a:solidFill>
                 <a:srgbClr val="000000"/>
               </a:solidFill>
@@ -1129,11 +1279,14 @@
       </p:sp>
     </p:spTree>
   </p:cSld>
+  <p:clrMapOvr>
+    <a:masterClrMapping/>
+  </p:clrMapOvr>
 </p:sldLayout>
 </file>
 
 <file path=ppt/slideLayouts/slideLayout8.xml><?xml version="1.0" encoding="utf-8"?>
-<p:sldLayout xmlns:a="http://schemas.openxmlformats.org/drawingml/2006/main" xmlns:p="http://schemas.openxmlformats.org/presentationml/2006/main" xmlns:r="http://schemas.openxmlformats.org/officeDocument/2006/relationships" xmlns:p14="http://schemas.microsoft.com/office/powerpoint/2010/main" xmlns:p15="http://schemas.microsoft.com/office/powerpoint/2012/main" xmlns:mc="http://schemas.openxmlformats.org/markup-compatibility/2006" type="objAndTwoObj" preserve="1">
+<p:sldLayout xmlns:a="http://schemas.openxmlformats.org/drawingml/2006/main" xmlns:r="http://schemas.openxmlformats.org/officeDocument/2006/relationships" xmlns:p="http://schemas.openxmlformats.org/presentationml/2006/main" type="objAndTwoObj" preserve="1">
   <p:cSld name="Title Content and 2 Content">
     <p:spTree>
       <p:nvGrpSpPr>
@@ -1169,9 +1322,10 @@
           </a:prstGeom>
         </p:spPr>
         <p:txBody>
-          <a:bodyPr lIns="0" rIns="0" tIns="0" bIns="0" anchor="ctr"/>
-          <a:p>
-            <a:endParaRPr b="0" lang="en-US" sz="1800" spc="-1" strike="noStrike">
+          <a:bodyPr lIns="0" tIns="0" rIns="0" bIns="0" anchor="ctr"/>
+          <a:lstStyle/>
+          <a:p>
+            <a:endParaRPr lang="en-US" sz="1800" b="0" strike="noStrike" spc="-1">
               <a:solidFill>
                 <a:srgbClr val="000000"/>
               </a:solidFill>
@@ -1200,11 +1354,12 @@
           </a:prstGeom>
         </p:spPr>
         <p:txBody>
-          <a:bodyPr lIns="0" rIns="0" tIns="0" bIns="0">
+          <a:bodyPr lIns="0" tIns="0" rIns="0" bIns="0">
             <a:normAutofit/>
           </a:bodyPr>
-          <a:p>
-            <a:endParaRPr b="0" lang="en-US" sz="3200" spc="-1" strike="noStrike">
+          <a:lstStyle/>
+          <a:p>
+            <a:endParaRPr lang="en-US" sz="3200" b="0" strike="noStrike" spc="-1">
               <a:solidFill>
                 <a:srgbClr val="000000"/>
               </a:solidFill>
@@ -1233,11 +1388,12 @@
           </a:prstGeom>
         </p:spPr>
         <p:txBody>
-          <a:bodyPr lIns="0" rIns="0" tIns="0" bIns="0">
+          <a:bodyPr lIns="0" tIns="0" rIns="0" bIns="0">
             <a:normAutofit/>
           </a:bodyPr>
-          <a:p>
-            <a:endParaRPr b="0" lang="en-US" sz="3200" spc="-1" strike="noStrike">
+          <a:lstStyle/>
+          <a:p>
+            <a:endParaRPr lang="en-US" sz="3200" b="0" strike="noStrike" spc="-1">
               <a:solidFill>
                 <a:srgbClr val="000000"/>
               </a:solidFill>
@@ -1266,11 +1422,12 @@
           </a:prstGeom>
         </p:spPr>
         <p:txBody>
-          <a:bodyPr lIns="0" rIns="0" tIns="0" bIns="0">
+          <a:bodyPr lIns="0" tIns="0" rIns="0" bIns="0">
             <a:normAutofit/>
           </a:bodyPr>
-          <a:p>
-            <a:endParaRPr b="0" lang="en-US" sz="3200" spc="-1" strike="noStrike">
+          <a:lstStyle/>
+          <a:p>
+            <a:endParaRPr lang="en-US" sz="3200" b="0" strike="noStrike" spc="-1">
               <a:solidFill>
                 <a:srgbClr val="000000"/>
               </a:solidFill>
@@ -1281,11 +1438,14 @@
       </p:sp>
     </p:spTree>
   </p:cSld>
+  <p:clrMapOvr>
+    <a:masterClrMapping/>
+  </p:clrMapOvr>
 </p:sldLayout>
 </file>
 
 <file path=ppt/slideLayouts/slideLayout9.xml><?xml version="1.0" encoding="utf-8"?>
-<p:sldLayout xmlns:a="http://schemas.openxmlformats.org/drawingml/2006/main" xmlns:p="http://schemas.openxmlformats.org/presentationml/2006/main" xmlns:r="http://schemas.openxmlformats.org/officeDocument/2006/relationships" xmlns:p14="http://schemas.microsoft.com/office/powerpoint/2010/main" xmlns:p15="http://schemas.microsoft.com/office/powerpoint/2012/main" xmlns:mc="http://schemas.openxmlformats.org/markup-compatibility/2006" type="twoObjOverTx" preserve="1">
+<p:sldLayout xmlns:a="http://schemas.openxmlformats.org/drawingml/2006/main" xmlns:r="http://schemas.openxmlformats.org/officeDocument/2006/relationships" xmlns:p="http://schemas.openxmlformats.org/presentationml/2006/main" type="twoObjOverTx" preserve="1">
   <p:cSld name="Title, 2 Content over Content">
     <p:spTree>
       <p:nvGrpSpPr>
@@ -1321,9 +1481,10 @@
           </a:prstGeom>
         </p:spPr>
         <p:txBody>
-          <a:bodyPr lIns="0" rIns="0" tIns="0" bIns="0" anchor="ctr"/>
-          <a:p>
-            <a:endParaRPr b="0" lang="en-US" sz="1800" spc="-1" strike="noStrike">
+          <a:bodyPr lIns="0" tIns="0" rIns="0" bIns="0" anchor="ctr"/>
+          <a:lstStyle/>
+          <a:p>
+            <a:endParaRPr lang="en-US" sz="1800" b="0" strike="noStrike" spc="-1">
               <a:solidFill>
                 <a:srgbClr val="000000"/>
               </a:solidFill>
@@ -1352,11 +1513,12 @@
           </a:prstGeom>
         </p:spPr>
         <p:txBody>
-          <a:bodyPr lIns="0" rIns="0" tIns="0" bIns="0">
+          <a:bodyPr lIns="0" tIns="0" rIns="0" bIns="0">
             <a:normAutofit/>
           </a:bodyPr>
-          <a:p>
-            <a:endParaRPr b="0" lang="en-US" sz="3200" spc="-1" strike="noStrike">
+          <a:lstStyle/>
+          <a:p>
+            <a:endParaRPr lang="en-US" sz="3200" b="0" strike="noStrike" spc="-1">
               <a:solidFill>
                 <a:srgbClr val="000000"/>
               </a:solidFill>
@@ -1385,11 +1547,12 @@
           </a:prstGeom>
         </p:spPr>
         <p:txBody>
-          <a:bodyPr lIns="0" rIns="0" tIns="0" bIns="0">
+          <a:bodyPr lIns="0" tIns="0" rIns="0" bIns="0">
             <a:normAutofit/>
           </a:bodyPr>
-          <a:p>
-            <a:endParaRPr b="0" lang="en-US" sz="3200" spc="-1" strike="noStrike">
+          <a:lstStyle/>
+          <a:p>
+            <a:endParaRPr lang="en-US" sz="3200" b="0" strike="noStrike" spc="-1">
               <a:solidFill>
                 <a:srgbClr val="000000"/>
               </a:solidFill>
@@ -1418,11 +1581,12 @@
           </a:prstGeom>
         </p:spPr>
         <p:txBody>
-          <a:bodyPr lIns="0" rIns="0" tIns="0" bIns="0">
+          <a:bodyPr lIns="0" tIns="0" rIns="0" bIns="0">
             <a:normAutofit/>
           </a:bodyPr>
-          <a:p>
-            <a:endParaRPr b="0" lang="en-US" sz="3200" spc="-1" strike="noStrike">
+          <a:lstStyle/>
+          <a:p>
+            <a:endParaRPr lang="en-US" sz="3200" b="0" strike="noStrike" spc="-1">
               <a:solidFill>
                 <a:srgbClr val="000000"/>
               </a:solidFill>
@@ -1433,17 +1597,21 @@
       </p:sp>
     </p:spTree>
   </p:cSld>
+  <p:clrMapOvr>
+    <a:masterClrMapping/>
+  </p:clrMapOvr>
 </p:sldLayout>
 </file>
 
 <file path=ppt/slideMasters/slideMaster1.xml><?xml version="1.0" encoding="utf-8"?>
-<p:sldMaster xmlns:a="http://schemas.openxmlformats.org/drawingml/2006/main" xmlns:p="http://schemas.openxmlformats.org/presentationml/2006/main" xmlns:r="http://schemas.openxmlformats.org/officeDocument/2006/relationships" xmlns:p14="http://schemas.microsoft.com/office/powerpoint/2010/main" xmlns:p15="http://schemas.microsoft.com/office/powerpoint/2012/main" xmlns:mc="http://schemas.openxmlformats.org/markup-compatibility/2006">
+<p:sldMaster xmlns:a="http://schemas.openxmlformats.org/drawingml/2006/main" xmlns:r="http://schemas.openxmlformats.org/officeDocument/2006/relationships" xmlns:p="http://schemas.openxmlformats.org/presentationml/2006/main">
   <p:cSld>
     <p:bg>
       <p:bgPr>
         <a:solidFill>
-          <a:srgbClr val="ffffff"/>
+          <a:srgbClr val="FFFFFF"/>
         </a:solidFill>
+        <a:effectLst/>
       </p:bgPr>
     </p:bg>
     <p:spTree>
@@ -1462,7 +1630,7 @@
       </p:grpSpPr>
       <p:sp>
         <p:nvSpPr>
-          <p:cNvPr id="0" name="PlaceHolder 1"/>
+          <p:cNvPr id="3" name="PlaceHolder 1"/>
           <p:cNvSpPr>
             <a:spLocks noGrp="1"/>
           </p:cNvSpPr>
@@ -1481,6 +1649,7 @@
         </p:spPr>
         <p:txBody>
           <a:bodyPr anchor="ctr"/>
+          <a:lstStyle/>
           <a:p>
             <a:pPr>
               <a:lnSpc>
@@ -1488,15 +1657,15 @@
               </a:lnSpc>
             </a:pPr>
             <a:fld id="{2860313B-5283-42AD-9F9F-984EDC8D4513}" type="datetime">
-              <a:rPr b="0" lang="en-SG" sz="1200" spc="-1" strike="noStrike">
+              <a:rPr lang="en-SG" sz="1200" b="0" strike="noStrike" spc="-1">
                 <a:solidFill>
-                  <a:srgbClr val="8b8b8b"/>
+                  <a:srgbClr val="8B8B8B"/>
                 </a:solidFill>
                 <a:latin typeface="Calibri"/>
               </a:rPr>
-              <a:t>9/30/18</a:t>
+              <a:t>22/10/2018</a:t>
             </a:fld>
-            <a:endParaRPr b="0" lang="en-SG" sz="1200" spc="-1" strike="noStrike">
+            <a:endParaRPr lang="en-SG" sz="1200" b="0" strike="noStrike" spc="-1">
               <a:latin typeface="Times New Roman"/>
             </a:endParaRPr>
           </a:p>
@@ -1504,7 +1673,7 @@
       </p:sp>
       <p:sp>
         <p:nvSpPr>
-          <p:cNvPr id="1" name="PlaceHolder 2"/>
+          <p:cNvPr id="4" name="PlaceHolder 2"/>
           <p:cNvSpPr>
             <a:spLocks noGrp="1"/>
           </p:cNvSpPr>
@@ -1523,8 +1692,9 @@
         </p:spPr>
         <p:txBody>
           <a:bodyPr anchor="ctr"/>
-          <a:p>
-            <a:endParaRPr b="0" lang="en-SG" sz="2400" spc="-1" strike="noStrike">
+          <a:lstStyle/>
+          <a:p>
+            <a:endParaRPr lang="en-SG" sz="2400" b="0" strike="noStrike" spc="-1">
               <a:latin typeface="Times New Roman"/>
             </a:endParaRPr>
           </a:p>
@@ -1551,6 +1721,7 @@
         </p:spPr>
         <p:txBody>
           <a:bodyPr anchor="ctr"/>
+          <a:lstStyle/>
           <a:p>
             <a:pPr algn="r">
               <a:lnSpc>
@@ -1558,15 +1729,15 @@
               </a:lnSpc>
             </a:pPr>
             <a:fld id="{3DF1A9D8-CC7F-4E62-A8AB-E747156E52CD}" type="slidenum">
-              <a:rPr b="0" lang="en-SG" sz="1200" spc="-1" strike="noStrike">
+              <a:rPr lang="en-SG" sz="1200" b="0" strike="noStrike" spc="-1">
                 <a:solidFill>
-                  <a:srgbClr val="8b8b8b"/>
+                  <a:srgbClr val="8B8B8B"/>
                 </a:solidFill>
                 <a:latin typeface="Calibri"/>
               </a:rPr>
-              <a:t>&lt;number&gt;</a:t>
+              <a:t>‹#›</a:t>
             </a:fld>
-            <a:endParaRPr b="0" lang="en-SG" sz="1200" spc="-1" strike="noStrike">
+            <a:endParaRPr lang="en-SG" sz="1200" b="0" strike="noStrike" spc="-1">
               <a:latin typeface="Times New Roman"/>
             </a:endParaRPr>
           </a:p>
@@ -1574,26 +1745,306 @@
       </p:sp>
     </p:spTree>
   </p:cSld>
-  <p:clrMap bg1="lt1" bg2="lt2" tx1="dk1" tx2="dk2" accent1="accent1" accent2="accent2" accent3="accent3" accent4="accent4" accent5="accent5" accent6="accent6" hlink="hlink" folHlink="folHlink"/>
+  <p:clrMap bg1="lt1" tx1="dk1" bg2="lt2" tx2="dk2" accent1="accent1" accent2="accent2" accent3="accent3" accent4="accent4" accent5="accent5" accent6="accent6" hlink="hlink" folHlink="folHlink"/>
   <p:sldLayoutIdLst>
-    <p:sldLayoutId id="2147483649" r:id="rId2"/>
-    <p:sldLayoutId id="2147483650" r:id="rId3"/>
-    <p:sldLayoutId id="2147483651" r:id="rId4"/>
-    <p:sldLayoutId id="2147483652" r:id="rId5"/>
-    <p:sldLayoutId id="2147483653" r:id="rId6"/>
-    <p:sldLayoutId id="2147483654" r:id="rId7"/>
-    <p:sldLayoutId id="2147483655" r:id="rId8"/>
-    <p:sldLayoutId id="2147483656" r:id="rId9"/>
-    <p:sldLayoutId id="2147483657" r:id="rId10"/>
-    <p:sldLayoutId id="2147483658" r:id="rId11"/>
-    <p:sldLayoutId id="2147483659" r:id="rId12"/>
-    <p:sldLayoutId id="2147483660" r:id="rId13"/>
+    <p:sldLayoutId id="2147483649" r:id="rId1"/>
+    <p:sldLayoutId id="2147483650" r:id="rId2"/>
+    <p:sldLayoutId id="2147483651" r:id="rId3"/>
+    <p:sldLayoutId id="2147483652" r:id="rId4"/>
+    <p:sldLayoutId id="2147483653" r:id="rId5"/>
+    <p:sldLayoutId id="2147483654" r:id="rId6"/>
+    <p:sldLayoutId id="2147483655" r:id="rId7"/>
+    <p:sldLayoutId id="2147483656" r:id="rId8"/>
+    <p:sldLayoutId id="2147483657" r:id="rId9"/>
+    <p:sldLayoutId id="2147483658" r:id="rId10"/>
+    <p:sldLayoutId id="2147483659" r:id="rId11"/>
+    <p:sldLayoutId id="2147483660" r:id="rId12"/>
   </p:sldLayoutIdLst>
+  <p:txStyles>
+    <p:titleStyle>
+      <a:lvl1pPr algn="l" defTabSz="914400" rtl="0" eaLnBrk="1" latinLnBrk="0" hangingPunct="1">
+        <a:lnSpc>
+          <a:spcPct val="90000"/>
+        </a:lnSpc>
+        <a:spcBef>
+          <a:spcPct val="0"/>
+        </a:spcBef>
+        <a:buNone/>
+        <a:defRPr sz="4400" kern="1200">
+          <a:solidFill>
+            <a:schemeClr val="tx1"/>
+          </a:solidFill>
+          <a:latin typeface="+mj-lt"/>
+          <a:ea typeface="+mj-ea"/>
+          <a:cs typeface="+mj-cs"/>
+        </a:defRPr>
+      </a:lvl1pPr>
+    </p:titleStyle>
+    <p:bodyStyle>
+      <a:lvl1pPr marL="228600" indent="-228600" algn="l" defTabSz="914400" rtl="0" eaLnBrk="1" latinLnBrk="0" hangingPunct="1">
+        <a:lnSpc>
+          <a:spcPct val="90000"/>
+        </a:lnSpc>
+        <a:spcBef>
+          <a:spcPts val="1000"/>
+        </a:spcBef>
+        <a:buFont typeface="Arial" panose="020B0604020202020204" pitchFamily="34" charset="0"/>
+        <a:buChar char="•"/>
+        <a:defRPr sz="2800" kern="1200">
+          <a:solidFill>
+            <a:schemeClr val="tx1"/>
+          </a:solidFill>
+          <a:latin typeface="+mn-lt"/>
+          <a:ea typeface="+mn-ea"/>
+          <a:cs typeface="+mn-cs"/>
+        </a:defRPr>
+      </a:lvl1pPr>
+      <a:lvl2pPr marL="685800" indent="-228600" algn="l" defTabSz="914400" rtl="0" eaLnBrk="1" latinLnBrk="0" hangingPunct="1">
+        <a:lnSpc>
+          <a:spcPct val="90000"/>
+        </a:lnSpc>
+        <a:spcBef>
+          <a:spcPts val="500"/>
+        </a:spcBef>
+        <a:buFont typeface="Arial" panose="020B0604020202020204" pitchFamily="34" charset="0"/>
+        <a:buChar char="•"/>
+        <a:defRPr sz="2400" kern="1200">
+          <a:solidFill>
+            <a:schemeClr val="tx1"/>
+          </a:solidFill>
+          <a:latin typeface="+mn-lt"/>
+          <a:ea typeface="+mn-ea"/>
+          <a:cs typeface="+mn-cs"/>
+        </a:defRPr>
+      </a:lvl2pPr>
+      <a:lvl3pPr marL="1143000" indent="-228600" algn="l" defTabSz="914400" rtl="0" eaLnBrk="1" latinLnBrk="0" hangingPunct="1">
+        <a:lnSpc>
+          <a:spcPct val="90000"/>
+        </a:lnSpc>
+        <a:spcBef>
+          <a:spcPts val="500"/>
+        </a:spcBef>
+        <a:buFont typeface="Arial" panose="020B0604020202020204" pitchFamily="34" charset="0"/>
+        <a:buChar char="•"/>
+        <a:defRPr sz="2000" kern="1200">
+          <a:solidFill>
+            <a:schemeClr val="tx1"/>
+          </a:solidFill>
+          <a:latin typeface="+mn-lt"/>
+          <a:ea typeface="+mn-ea"/>
+          <a:cs typeface="+mn-cs"/>
+        </a:defRPr>
+      </a:lvl3pPr>
+      <a:lvl4pPr marL="1600200" indent="-228600" algn="l" defTabSz="914400" rtl="0" eaLnBrk="1" latinLnBrk="0" hangingPunct="1">
+        <a:lnSpc>
+          <a:spcPct val="90000"/>
+        </a:lnSpc>
+        <a:spcBef>
+          <a:spcPts val="500"/>
+        </a:spcBef>
+        <a:buFont typeface="Arial" panose="020B0604020202020204" pitchFamily="34" charset="0"/>
+        <a:buChar char="•"/>
+        <a:defRPr sz="1800" kern="1200">
+          <a:solidFill>
+            <a:schemeClr val="tx1"/>
+          </a:solidFill>
+          <a:latin typeface="+mn-lt"/>
+          <a:ea typeface="+mn-ea"/>
+          <a:cs typeface="+mn-cs"/>
+        </a:defRPr>
+      </a:lvl4pPr>
+      <a:lvl5pPr marL="2057400" indent="-228600" algn="l" defTabSz="914400" rtl="0" eaLnBrk="1" latinLnBrk="0" hangingPunct="1">
+        <a:lnSpc>
+          <a:spcPct val="90000"/>
+        </a:lnSpc>
+        <a:spcBef>
+          <a:spcPts val="500"/>
+        </a:spcBef>
+        <a:buFont typeface="Arial" panose="020B0604020202020204" pitchFamily="34" charset="0"/>
+        <a:buChar char="•"/>
+        <a:defRPr sz="1800" kern="1200">
+          <a:solidFill>
+            <a:schemeClr val="tx1"/>
+          </a:solidFill>
+          <a:latin typeface="+mn-lt"/>
+          <a:ea typeface="+mn-ea"/>
+          <a:cs typeface="+mn-cs"/>
+        </a:defRPr>
+      </a:lvl5pPr>
+      <a:lvl6pPr marL="2514600" indent="-228600" algn="l" defTabSz="914400" rtl="0" eaLnBrk="1" latinLnBrk="0" hangingPunct="1">
+        <a:lnSpc>
+          <a:spcPct val="90000"/>
+        </a:lnSpc>
+        <a:spcBef>
+          <a:spcPts val="500"/>
+        </a:spcBef>
+        <a:buFont typeface="Arial" panose="020B0604020202020204" pitchFamily="34" charset="0"/>
+        <a:buChar char="•"/>
+        <a:defRPr sz="1800" kern="1200">
+          <a:solidFill>
+            <a:schemeClr val="tx1"/>
+          </a:solidFill>
+          <a:latin typeface="+mn-lt"/>
+          <a:ea typeface="+mn-ea"/>
+          <a:cs typeface="+mn-cs"/>
+        </a:defRPr>
+      </a:lvl6pPr>
+      <a:lvl7pPr marL="2971800" indent="-228600" algn="l" defTabSz="914400" rtl="0" eaLnBrk="1" latinLnBrk="0" hangingPunct="1">
+        <a:lnSpc>
+          <a:spcPct val="90000"/>
+        </a:lnSpc>
+        <a:spcBef>
+          <a:spcPts val="500"/>
+        </a:spcBef>
+        <a:buFont typeface="Arial" panose="020B0604020202020204" pitchFamily="34" charset="0"/>
+        <a:buChar char="•"/>
+        <a:defRPr sz="1800" kern="1200">
+          <a:solidFill>
+            <a:schemeClr val="tx1"/>
+          </a:solidFill>
+          <a:latin typeface="+mn-lt"/>
+          <a:ea typeface="+mn-ea"/>
+          <a:cs typeface="+mn-cs"/>
+        </a:defRPr>
+      </a:lvl7pPr>
+      <a:lvl8pPr marL="3429000" indent="-228600" algn="l" defTabSz="914400" rtl="0" eaLnBrk="1" latinLnBrk="0" hangingPunct="1">
+        <a:lnSpc>
+          <a:spcPct val="90000"/>
+        </a:lnSpc>
+        <a:spcBef>
+          <a:spcPts val="500"/>
+        </a:spcBef>
+        <a:buFont typeface="Arial" panose="020B0604020202020204" pitchFamily="34" charset="0"/>
+        <a:buChar char="•"/>
+        <a:defRPr sz="1800" kern="1200">
+          <a:solidFill>
+            <a:schemeClr val="tx1"/>
+          </a:solidFill>
+          <a:latin typeface="+mn-lt"/>
+          <a:ea typeface="+mn-ea"/>
+          <a:cs typeface="+mn-cs"/>
+        </a:defRPr>
+      </a:lvl8pPr>
+      <a:lvl9pPr marL="3886200" indent="-228600" algn="l" defTabSz="914400" rtl="0" eaLnBrk="1" latinLnBrk="0" hangingPunct="1">
+        <a:lnSpc>
+          <a:spcPct val="90000"/>
+        </a:lnSpc>
+        <a:spcBef>
+          <a:spcPts val="500"/>
+        </a:spcBef>
+        <a:buFont typeface="Arial" panose="020B0604020202020204" pitchFamily="34" charset="0"/>
+        <a:buChar char="•"/>
+        <a:defRPr sz="1800" kern="1200">
+          <a:solidFill>
+            <a:schemeClr val="tx1"/>
+          </a:solidFill>
+          <a:latin typeface="+mn-lt"/>
+          <a:ea typeface="+mn-ea"/>
+          <a:cs typeface="+mn-cs"/>
+        </a:defRPr>
+      </a:lvl9pPr>
+    </p:bodyStyle>
+    <p:otherStyle>
+      <a:defPPr>
+        <a:defRPr lang="en-US"/>
+      </a:defPPr>
+      <a:lvl1pPr marL="0" algn="l" defTabSz="914400" rtl="0" eaLnBrk="1" latinLnBrk="0" hangingPunct="1">
+        <a:defRPr sz="1800" kern="1200">
+          <a:solidFill>
+            <a:schemeClr val="tx1"/>
+          </a:solidFill>
+          <a:latin typeface="+mn-lt"/>
+          <a:ea typeface="+mn-ea"/>
+          <a:cs typeface="+mn-cs"/>
+        </a:defRPr>
+      </a:lvl1pPr>
+      <a:lvl2pPr marL="457200" algn="l" defTabSz="914400" rtl="0" eaLnBrk="1" latinLnBrk="0" hangingPunct="1">
+        <a:defRPr sz="1800" kern="1200">
+          <a:solidFill>
+            <a:schemeClr val="tx1"/>
+          </a:solidFill>
+          <a:latin typeface="+mn-lt"/>
+          <a:ea typeface="+mn-ea"/>
+          <a:cs typeface="+mn-cs"/>
+        </a:defRPr>
+      </a:lvl2pPr>
+      <a:lvl3pPr marL="914400" algn="l" defTabSz="914400" rtl="0" eaLnBrk="1" latinLnBrk="0" hangingPunct="1">
+        <a:defRPr sz="1800" kern="1200">
+          <a:solidFill>
+            <a:schemeClr val="tx1"/>
+          </a:solidFill>
+          <a:latin typeface="+mn-lt"/>
+          <a:ea typeface="+mn-ea"/>
+          <a:cs typeface="+mn-cs"/>
+        </a:defRPr>
+      </a:lvl3pPr>
+      <a:lvl4pPr marL="1371600" algn="l" defTabSz="914400" rtl="0" eaLnBrk="1" latinLnBrk="0" hangingPunct="1">
+        <a:defRPr sz="1800" kern="1200">
+          <a:solidFill>
+            <a:schemeClr val="tx1"/>
+          </a:solidFill>
+          <a:latin typeface="+mn-lt"/>
+          <a:ea typeface="+mn-ea"/>
+          <a:cs typeface="+mn-cs"/>
+        </a:defRPr>
+      </a:lvl4pPr>
+      <a:lvl5pPr marL="1828800" algn="l" defTabSz="914400" rtl="0" eaLnBrk="1" latinLnBrk="0" hangingPunct="1">
+        <a:defRPr sz="1800" kern="1200">
+          <a:solidFill>
+            <a:schemeClr val="tx1"/>
+          </a:solidFill>
+          <a:latin typeface="+mn-lt"/>
+          <a:ea typeface="+mn-ea"/>
+          <a:cs typeface="+mn-cs"/>
+        </a:defRPr>
+      </a:lvl5pPr>
+      <a:lvl6pPr marL="2286000" algn="l" defTabSz="914400" rtl="0" eaLnBrk="1" latinLnBrk="0" hangingPunct="1">
+        <a:defRPr sz="1800" kern="1200">
+          <a:solidFill>
+            <a:schemeClr val="tx1"/>
+          </a:solidFill>
+          <a:latin typeface="+mn-lt"/>
+          <a:ea typeface="+mn-ea"/>
+          <a:cs typeface="+mn-cs"/>
+        </a:defRPr>
+      </a:lvl6pPr>
+      <a:lvl7pPr marL="2743200" algn="l" defTabSz="914400" rtl="0" eaLnBrk="1" latinLnBrk="0" hangingPunct="1">
+        <a:defRPr sz="1800" kern="1200">
+          <a:solidFill>
+            <a:schemeClr val="tx1"/>
+          </a:solidFill>
+          <a:latin typeface="+mn-lt"/>
+          <a:ea typeface="+mn-ea"/>
+          <a:cs typeface="+mn-cs"/>
+        </a:defRPr>
+      </a:lvl7pPr>
+      <a:lvl8pPr marL="3200400" algn="l" defTabSz="914400" rtl="0" eaLnBrk="1" latinLnBrk="0" hangingPunct="1">
+        <a:defRPr sz="1800" kern="1200">
+          <a:solidFill>
+            <a:schemeClr val="tx1"/>
+          </a:solidFill>
+          <a:latin typeface="+mn-lt"/>
+          <a:ea typeface="+mn-ea"/>
+          <a:cs typeface="+mn-cs"/>
+        </a:defRPr>
+      </a:lvl8pPr>
+      <a:lvl9pPr marL="3657600" algn="l" defTabSz="914400" rtl="0" eaLnBrk="1" latinLnBrk="0" hangingPunct="1">
+        <a:defRPr sz="1800" kern="1200">
+          <a:solidFill>
+            <a:schemeClr val="tx1"/>
+          </a:solidFill>
+          <a:latin typeface="+mn-lt"/>
+          <a:ea typeface="+mn-ea"/>
+          <a:cs typeface="+mn-cs"/>
+        </a:defRPr>
+      </a:lvl9pPr>
+    </p:otherStyle>
+  </p:txStyles>
 </p:sldMaster>
 </file>
 
 <file path=ppt/slides/slide1.xml><?xml version="1.0" encoding="utf-8"?>
-<p:sld xmlns:a="http://schemas.openxmlformats.org/drawingml/2006/main" xmlns:p="http://schemas.openxmlformats.org/presentationml/2006/main" xmlns:r="http://schemas.openxmlformats.org/officeDocument/2006/relationships" xmlns:p14="http://schemas.microsoft.com/office/powerpoint/2010/main" xmlns:p15="http://schemas.microsoft.com/office/powerpoint/2012/main" xmlns:mc="http://schemas.openxmlformats.org/markup-compatibility/2006">
+<p:sld xmlns:a="http://schemas.openxmlformats.org/drawingml/2006/main" xmlns:r="http://schemas.openxmlformats.org/officeDocument/2006/relationships" xmlns:p="http://schemas.openxmlformats.org/presentationml/2006/main">
   <p:cSld>
     <p:spTree>
       <p:nvGrpSpPr>
@@ -1635,7 +2086,7 @@
             <a:noFill/>
           </a:ln>
           <a:effectLst>
-            <a:outerShdw blurRad="40000" dir="5400000" dist="20000" rotWithShape="0">
+            <a:outerShdw blurRad="40000" dist="20000" dir="5400000" rotWithShape="0">
               <a:srgbClr val="000000">
                 <a:alpha val="38000"/>
               </a:srgbClr>
@@ -1655,7 +2106,8 @@
           <a:fontRef idx="minor"/>
         </p:style>
         <p:txBody>
-          <a:bodyPr lIns="90000" rIns="90000" tIns="45000" bIns="45000"/>
+          <a:bodyPr lIns="90000" tIns="45000" rIns="90000" bIns="45000"/>
+          <a:lstStyle/>
           <a:p>
             <a:pPr>
               <a:lnSpc>
@@ -1663,15 +2115,15 @@
               </a:lnSpc>
             </a:pPr>
             <a:r>
-              <a:rPr b="1" lang="en-SG" sz="1200" spc="-1" strike="noStrike">
+              <a:rPr lang="en-SG" sz="1200" b="1" strike="noStrike" spc="-1">
                 <a:solidFill>
-                  <a:srgbClr val="7030a0"/>
+                  <a:srgbClr val="7030A0"/>
                 </a:solidFill>
                 <a:latin typeface="Calibri"/>
               </a:rPr>
               <a:t>Model</a:t>
             </a:r>
-            <a:endParaRPr b="0" lang="en-SG" sz="1200" spc="-1" strike="noStrike">
+            <a:endParaRPr lang="en-SG" sz="1200" b="0" strike="noStrike" spc="-1">
               <a:latin typeface="Arial"/>
             </a:endParaRPr>
           </a:p>
@@ -1692,16 +2144,16 @@
             <a:avLst/>
           </a:prstGeom>
           <a:solidFill>
-            <a:srgbClr val="7030a0"/>
+            <a:srgbClr val="7030A0"/>
           </a:solidFill>
           <a:ln w="19080">
             <a:solidFill>
-              <a:srgbClr val="7030a0"/>
+              <a:srgbClr val="7030A0"/>
             </a:solidFill>
             <a:round/>
           </a:ln>
           <a:effectLst>
-            <a:outerShdw blurRad="40000" dir="5400000" dist="20000" rotWithShape="0">
+            <a:outerShdw blurRad="40000" dist="20000" dir="5400000" rotWithShape="0">
               <a:srgbClr val="000000">
                 <a:alpha val="38000"/>
               </a:srgbClr>
@@ -1721,7 +2173,8 @@
           <a:fontRef idx="minor"/>
         </p:style>
         <p:txBody>
-          <a:bodyPr lIns="90000" rIns="90000" tIns="45000" bIns="45000" anchor="ctr"/>
+          <a:bodyPr lIns="90000" tIns="45000" rIns="90000" bIns="45000" anchor="ctr"/>
+          <a:lstStyle/>
           <a:p>
             <a:pPr algn="ctr">
               <a:lnSpc>
@@ -1729,15 +2182,15 @@
               </a:lnSpc>
             </a:pPr>
             <a:r>
-              <a:rPr b="0" lang="en-SG" sz="1050" spc="-1" strike="noStrike">
+              <a:rPr lang="en-SG" sz="1050" b="0" strike="noStrike" spc="-1">
                 <a:solidFill>
-                  <a:srgbClr val="ffffff"/>
+                  <a:srgbClr val="FFFFFF"/>
                 </a:solidFill>
                 <a:latin typeface="Calibri"/>
               </a:rPr>
               <a:t>UserPref</a:t>
             </a:r>
-            <a:endParaRPr b="0" lang="en-SG" sz="1050" spc="-1" strike="noStrike">
+            <a:endParaRPr lang="en-SG" sz="1050" b="0" strike="noStrike" spc="-1">
               <a:latin typeface="Arial"/>
             </a:endParaRPr>
           </a:p>
@@ -1758,16 +2211,16 @@
             <a:avLst/>
           </a:prstGeom>
           <a:solidFill>
-            <a:srgbClr val="7030a0"/>
+            <a:srgbClr val="7030A0"/>
           </a:solidFill>
           <a:ln w="19080">
             <a:solidFill>
-              <a:srgbClr val="7030a0"/>
+              <a:srgbClr val="7030A0"/>
             </a:solidFill>
             <a:round/>
           </a:ln>
           <a:effectLst>
-            <a:outerShdw blurRad="40000" dir="5400000" dist="20000" rotWithShape="0">
+            <a:outerShdw blurRad="40000" dist="20000" dir="5400000" rotWithShape="0">
               <a:srgbClr val="000000">
                 <a:alpha val="38000"/>
               </a:srgbClr>
@@ -1787,7 +2240,8 @@
           <a:fontRef idx="minor"/>
         </p:style>
         <p:txBody>
-          <a:bodyPr lIns="90000" rIns="90000" tIns="45000" bIns="45000" anchor="ctr"/>
+          <a:bodyPr lIns="90000" tIns="45000" rIns="90000" bIns="45000" anchor="ctr"/>
+          <a:lstStyle/>
           <a:p>
             <a:pPr algn="ctr">
               <a:lnSpc>
@@ -1795,15 +2249,15 @@
               </a:lnSpc>
             </a:pPr>
             <a:r>
-              <a:rPr b="0" lang="en-SG" sz="1050" spc="-1" strike="noStrike">
+              <a:rPr lang="en-SG" sz="1050" b="0" strike="noStrike" spc="-1">
                 <a:solidFill>
-                  <a:srgbClr val="ffffff"/>
+                  <a:srgbClr val="FFFFFF"/>
                 </a:solidFill>
                 <a:latin typeface="Calibri"/>
               </a:rPr>
               <a:t>ModelManager</a:t>
             </a:r>
-            <a:endParaRPr b="0" lang="en-SG" sz="1050" spc="-1" strike="noStrike">
+            <a:endParaRPr lang="en-SG" sz="1050" b="0" strike="noStrike" spc="-1">
               <a:latin typeface="Arial"/>
             </a:endParaRPr>
           </a:p>
@@ -1816,7 +2270,7 @@
           <p:nvPr/>
         </p:nvSpPr>
         <p:spPr>
-          <a:xfrm flipH="1" flipV="1" rot="5400000">
+          <a:xfrm rot="5400000" flipH="1" flipV="1">
             <a:off x="4156200" y="1308600"/>
             <a:ext cx="612720" cy="4458960"/>
           </a:xfrm>
@@ -1827,13 +2281,13 @@
           </a:prstGeom>
           <a:ln w="19080">
             <a:solidFill>
-              <a:srgbClr val="7030a0"/>
+              <a:srgbClr val="7030A0"/>
             </a:solidFill>
             <a:round/>
-            <a:tailEnd len="med" type="triangle" w="med"/>
+            <a:tailEnd type="triangle" w="med" len="med"/>
           </a:ln>
           <a:effectLst>
-            <a:outerShdw blurRad="40000" dir="5400000" dist="20000" rotWithShape="0">
+            <a:outerShdw blurRad="40000" dist="20000" dir="5400000" rotWithShape="0">
               <a:srgbClr val="000000">
                 <a:alpha val="38000"/>
               </a:srgbClr>
@@ -1868,16 +2322,16 @@
             <a:avLst/>
           </a:prstGeom>
           <a:solidFill>
-            <a:srgbClr val="7030a0"/>
+            <a:srgbClr val="7030A0"/>
           </a:solidFill>
           <a:ln w="19080">
             <a:solidFill>
-              <a:srgbClr val="7030a0"/>
+              <a:srgbClr val="7030A0"/>
             </a:solidFill>
             <a:round/>
           </a:ln>
           <a:effectLst>
-            <a:outerShdw blurRad="40000" dir="5400000" dist="20000" rotWithShape="0">
+            <a:outerShdw blurRad="40000" dist="20000" dir="5400000" rotWithShape="0">
               <a:srgbClr val="000000">
                 <a:alpha val="38000"/>
               </a:srgbClr>
@@ -1897,7 +2351,8 @@
           <a:fontRef idx="minor"/>
         </p:style>
         <p:txBody>
-          <a:bodyPr lIns="90000" rIns="90000" tIns="45000" bIns="45000" anchor="ctr"/>
+          <a:bodyPr lIns="90000" tIns="45000" rIns="90000" bIns="45000" anchor="ctr"/>
+          <a:lstStyle/>
           <a:p>
             <a:pPr algn="ctr">
               <a:lnSpc>
@@ -1905,15 +2360,15 @@
               </a:lnSpc>
             </a:pPr>
             <a:r>
-              <a:rPr b="0" lang="en-SG" sz="1050" spc="-1" strike="noStrike">
+              <a:rPr lang="en-SG" sz="1050" b="0" strike="noStrike" spc="-1">
                 <a:solidFill>
-                  <a:srgbClr val="ffffff"/>
+                  <a:srgbClr val="FFFFFF"/>
                 </a:solidFill>
                 <a:latin typeface="Calibri"/>
               </a:rPr>
               <a:t>&lt;&lt;interface&gt;&gt;</a:t>
             </a:r>
-            <a:endParaRPr b="0" lang="en-SG" sz="1050" spc="-1" strike="noStrike">
+            <a:endParaRPr lang="en-SG" sz="1050" b="0" strike="noStrike" spc="-1">
               <a:latin typeface="Arial"/>
             </a:endParaRPr>
           </a:p>
@@ -1924,15 +2379,15 @@
               </a:lnSpc>
             </a:pPr>
             <a:r>
-              <a:rPr b="0" lang="en-SG" sz="1050" spc="-1" strike="noStrike">
+              <a:rPr lang="en-SG" sz="1050" b="0" strike="noStrike" spc="-1">
                 <a:solidFill>
-                  <a:srgbClr val="ffffff"/>
+                  <a:srgbClr val="FFFFFF"/>
                 </a:solidFill>
                 <a:latin typeface="Calibri"/>
               </a:rPr>
               <a:t>Model</a:t>
             </a:r>
-            <a:endParaRPr b="0" lang="en-SG" sz="1050" spc="-1" strike="noStrike">
+            <a:endParaRPr lang="en-SG" sz="1050" b="0" strike="noStrike" spc="-1">
               <a:latin typeface="Arial"/>
             </a:endParaRPr>
           </a:p>
@@ -1955,16 +2410,16 @@
             </a:avLst>
           </a:prstGeom>
           <a:solidFill>
-            <a:srgbClr val="7030a0"/>
+            <a:srgbClr val="7030A0"/>
           </a:solidFill>
           <a:ln w="19080">
             <a:solidFill>
-              <a:srgbClr val="7030a0"/>
+              <a:srgbClr val="7030A0"/>
             </a:solidFill>
             <a:round/>
           </a:ln>
           <a:effectLst>
-            <a:outerShdw blurRad="40000" dir="5400000" dist="20000" rotWithShape="0">
+            <a:outerShdw blurRad="40000" dist="20000" dir="5400000" rotWithShape="0">
               <a:srgbClr val="000000">
                 <a:alpha val="38000"/>
               </a:srgbClr>
@@ -1999,6 +2454,7 @@
             <a:avLst/>
             <a:gdLst/>
             <a:ahLst/>
+            <a:cxnLst/>
             <a:rect l="l" t="t" r="r" b="b"/>
             <a:pathLst>
               <a:path w="21600" h="21600">
@@ -2013,13 +2469,13 @@
           </a:custGeom>
           <a:ln w="19080">
             <a:solidFill>
-              <a:srgbClr val="7030a0"/>
+              <a:srgbClr val="7030A0"/>
             </a:solidFill>
             <a:round/>
-            <a:tailEnd len="med" type="triangle" w="med"/>
+            <a:tailEnd type="triangle" w="med" len="med"/>
           </a:ln>
           <a:effectLst>
-            <a:outerShdw blurRad="40000" dir="5400000" dist="20000" rotWithShape="0">
+            <a:outerShdw blurRad="40000" dist="20000" dir="5400000" rotWithShape="0">
               <a:srgbClr val="000000">
                 <a:alpha val="38000"/>
               </a:srgbClr>
@@ -2065,10 +2521,10 @@
               <a:ds d="100000" sp="100000"/>
             </a:custDash>
             <a:round/>
-            <a:tailEnd len="med" type="triangle" w="med"/>
+            <a:tailEnd type="triangle" w="med" len="med"/>
           </a:ln>
           <a:effectLst>
-            <a:outerShdw blurRad="40000" dir="5400000" dist="20000" rotWithShape="0">
+            <a:outerShdw blurRad="40000" dist="20000" dir="5400000" rotWithShape="0">
               <a:srgbClr val="000000">
                 <a:alpha val="38000"/>
               </a:srgbClr>
@@ -2104,7 +2560,7 @@
           </a:prstGeom>
           <a:ln w="19080">
             <a:solidFill>
-              <a:srgbClr val="7030a0"/>
+              <a:srgbClr val="7030A0"/>
             </a:solidFill>
             <a:custDash>
               <a:ds d="100000" sp="100000"/>
@@ -2142,12 +2598,12 @@
           <a:noFill/>
           <a:ln w="19080">
             <a:solidFill>
-              <a:srgbClr val="7030a0"/>
+              <a:srgbClr val="7030A0"/>
             </a:solidFill>
             <a:round/>
           </a:ln>
           <a:effectLst>
-            <a:outerShdw blurRad="40000" dir="5400000" dist="20000" rotWithShape="0">
+            <a:outerShdw blurRad="40000" dist="20000" dir="5400000" rotWithShape="0">
               <a:srgbClr val="000000">
                 <a:alpha val="38000"/>
               </a:srgbClr>
@@ -2183,12 +2639,12 @@
           </a:prstGeom>
           <a:ln w="19080">
             <a:solidFill>
-              <a:srgbClr val="7030a0"/>
+              <a:srgbClr val="7030A0"/>
             </a:solidFill>
             <a:round/>
           </a:ln>
           <a:effectLst>
-            <a:outerShdw blurRad="40000" dir="5400000" dist="20000" rotWithShape="0">
+            <a:outerShdw blurRad="40000" dist="20000" dir="5400000" rotWithShape="0">
               <a:srgbClr val="000000">
                 <a:alpha val="38000"/>
               </a:srgbClr>
@@ -2208,7 +2664,8 @@
           <a:fontRef idx="minor"/>
         </p:style>
         <p:txBody>
-          <a:bodyPr lIns="90000" rIns="90000" tIns="45000" bIns="45000" anchor="ctr"/>
+          <a:bodyPr lIns="90000" tIns="45000" rIns="90000" bIns="45000" anchor="ctr"/>
+          <a:lstStyle/>
           <a:p>
             <a:pPr algn="ctr">
               <a:lnSpc>
@@ -2216,15 +2673,15 @@
               </a:lnSpc>
             </a:pPr>
             <a:r>
-              <a:rPr b="0" lang="en-SG" sz="1050" spc="-1" strike="noStrike">
+              <a:rPr lang="en-SG" sz="1050" b="0" strike="noStrike" spc="-1">
                 <a:solidFill>
-                  <a:srgbClr val="7030a0"/>
+                  <a:srgbClr val="7030A0"/>
                 </a:solidFill>
                 <a:latin typeface="Calibri"/>
               </a:rPr>
               <a:t>VersionedDiveLog</a:t>
             </a:r>
-            <a:endParaRPr b="0" lang="en-SG" sz="1050" spc="-1" strike="noStrike">
+            <a:endParaRPr lang="en-SG" sz="1050" b="0" strike="noStrike" spc="-1">
               <a:latin typeface="Arial"/>
             </a:endParaRPr>
           </a:p>
@@ -2245,6 +2702,7 @@
             <a:avLst/>
             <a:gdLst/>
             <a:ahLst/>
+            <a:cxnLst/>
             <a:rect l="l" t="t" r="r" b="b"/>
             <a:pathLst>
               <a:path w="21600" h="21600">
@@ -2259,13 +2717,13 @@
           </a:custGeom>
           <a:ln w="19080">
             <a:solidFill>
-              <a:srgbClr val="7030a0"/>
+              <a:srgbClr val="7030A0"/>
             </a:solidFill>
             <a:round/>
-            <a:tailEnd len="med" type="triangle" w="med"/>
+            <a:tailEnd type="triangle" w="med" len="med"/>
           </a:ln>
           <a:effectLst>
-            <a:outerShdw blurRad="40000" dir="5400000" dist="20000" rotWithShape="0">
+            <a:outerShdw blurRad="40000" dist="20000" dir="5400000" rotWithShape="0">
               <a:srgbClr val="000000">
                 <a:alpha val="38000"/>
               </a:srgbClr>
@@ -2302,12 +2760,12 @@
           <a:noFill/>
           <a:ln w="19080">
             <a:solidFill>
-              <a:srgbClr val="7030a0"/>
+              <a:srgbClr val="7030A0"/>
             </a:solidFill>
             <a:round/>
           </a:ln>
           <a:effectLst>
-            <a:outerShdw blurRad="40000" dir="5400000" dist="20000" rotWithShape="0">
+            <a:outerShdw blurRad="40000" dist="20000" dir="5400000" rotWithShape="0">
               <a:srgbClr val="000000">
                 <a:alpha val="38000"/>
               </a:srgbClr>
@@ -2343,12 +2801,12 @@
           </a:prstGeom>
           <a:ln w="19080">
             <a:solidFill>
-              <a:srgbClr val="7030a0"/>
+              <a:srgbClr val="7030A0"/>
             </a:solidFill>
             <a:round/>
           </a:ln>
           <a:effectLst>
-            <a:outerShdw blurRad="40000" dir="5400000" dist="20000" rotWithShape="0">
+            <a:outerShdw blurRad="40000" dist="20000" dir="5400000" rotWithShape="0">
               <a:srgbClr val="000000">
                 <a:alpha val="38000"/>
               </a:srgbClr>
@@ -2368,7 +2826,8 @@
           <a:fontRef idx="minor"/>
         </p:style>
         <p:txBody>
-          <a:bodyPr lIns="90000" rIns="90000" tIns="45000" bIns="45000" anchor="ctr"/>
+          <a:bodyPr lIns="90000" tIns="45000" rIns="90000" bIns="45000" anchor="ctr"/>
+          <a:lstStyle/>
           <a:p>
             <a:pPr algn="ctr">
               <a:lnSpc>
@@ -2376,15 +2835,15 @@
               </a:lnSpc>
             </a:pPr>
             <a:r>
-              <a:rPr b="0" lang="en-SG" sz="1050" spc="-1" strike="noStrike">
+              <a:rPr lang="en-SG" sz="1050" b="0" strike="noStrike" spc="-1">
                 <a:solidFill>
-                  <a:srgbClr val="7030a0"/>
+                  <a:srgbClr val="7030A0"/>
                 </a:solidFill>
                 <a:latin typeface="Calibri"/>
               </a:rPr>
               <a:t>DiveSessionList</a:t>
             </a:r>
-            <a:endParaRPr b="0" lang="en-SG" sz="1050" spc="-1" strike="noStrike">
+            <a:endParaRPr lang="en-SG" sz="1050" b="0" strike="noStrike" spc="-1">
               <a:latin typeface="Arial"/>
             </a:endParaRPr>
           </a:p>
@@ -2405,16 +2864,16 @@
             <a:avLst/>
           </a:prstGeom>
           <a:solidFill>
-            <a:srgbClr val="7030a0"/>
+            <a:srgbClr val="7030A0"/>
           </a:solidFill>
           <a:ln w="19080">
             <a:solidFill>
-              <a:srgbClr val="7030a0"/>
+              <a:srgbClr val="7030A0"/>
             </a:solidFill>
             <a:round/>
           </a:ln>
           <a:effectLst>
-            <a:outerShdw blurRad="40000" dir="5400000" dist="20000" rotWithShape="0">
+            <a:outerShdw blurRad="40000" dist="20000" dir="5400000" rotWithShape="0">
               <a:srgbClr val="000000">
                 <a:alpha val="38000"/>
               </a:srgbClr>
@@ -2452,13 +2911,13 @@
           </a:prstGeom>
           <a:ln w="19080">
             <a:solidFill>
-              <a:srgbClr val="7030a0"/>
+              <a:srgbClr val="7030A0"/>
             </a:solidFill>
             <a:round/>
-            <a:tailEnd len="med" type="triangle" w="med"/>
+            <a:tailEnd type="triangle" w="med" len="med"/>
           </a:ln>
           <a:effectLst>
-            <a:outerShdw blurRad="40000" dir="5400000" dist="20000" rotWithShape="0">
+            <a:outerShdw blurRad="40000" dist="20000" dir="5400000" rotWithShape="0">
               <a:srgbClr val="000000">
                 <a:alpha val="38000"/>
               </a:srgbClr>
@@ -2494,12 +2953,12 @@
           </a:prstGeom>
           <a:ln w="19080">
             <a:solidFill>
-              <a:srgbClr val="7030a0"/>
+              <a:srgbClr val="7030A0"/>
             </a:solidFill>
             <a:round/>
           </a:ln>
           <a:effectLst>
-            <a:outerShdw blurRad="40000" dir="5400000" dist="20000" rotWithShape="0">
+            <a:outerShdw blurRad="40000" dist="20000" dir="5400000" rotWithShape="0">
               <a:srgbClr val="000000">
                 <a:alpha val="38000"/>
               </a:srgbClr>
@@ -2519,7 +2978,8 @@
           <a:fontRef idx="minor"/>
         </p:style>
         <p:txBody>
-          <a:bodyPr lIns="90000" rIns="90000" tIns="45000" bIns="45000" anchor="ctr"/>
+          <a:bodyPr lIns="90000" tIns="45000" rIns="90000" bIns="45000" anchor="ctr"/>
+          <a:lstStyle/>
           <a:p>
             <a:pPr algn="ctr">
               <a:lnSpc>
@@ -2527,15 +2987,15 @@
               </a:lnSpc>
             </a:pPr>
             <a:r>
-              <a:rPr b="0" lang="en-SG" sz="1050" spc="-1" strike="noStrike">
+              <a:rPr lang="en-SG" sz="1050" b="0" strike="noStrike" spc="-1">
                 <a:solidFill>
-                  <a:srgbClr val="7030a0"/>
+                  <a:srgbClr val="7030A0"/>
                 </a:solidFill>
                 <a:latin typeface="Calibri"/>
               </a:rPr>
               <a:t>DiveSession</a:t>
             </a:r>
-            <a:endParaRPr b="0" lang="en-SG" sz="1050" spc="-1" strike="noStrike">
+            <a:endParaRPr lang="en-SG" sz="1050" b="0" strike="noStrike" spc="-1">
               <a:latin typeface="Arial"/>
             </a:endParaRPr>
           </a:p>
@@ -2558,12 +3018,12 @@
           <a:noFill/>
           <a:ln w="19080">
             <a:solidFill>
-              <a:srgbClr val="7030a0"/>
+              <a:srgbClr val="7030A0"/>
             </a:solidFill>
             <a:round/>
           </a:ln>
           <a:effectLst>
-            <a:outerShdw blurRad="40000" dir="5400000" dist="20000" rotWithShape="0">
+            <a:outerShdw blurRad="40000" dist="20000" dir="5400000" rotWithShape="0">
               <a:srgbClr val="000000">
                 <a:alpha val="38000"/>
               </a:srgbClr>
@@ -2601,13 +3061,13 @@
           </a:prstGeom>
           <a:ln w="19080">
             <a:solidFill>
-              <a:srgbClr val="7030a0"/>
+              <a:srgbClr val="7030A0"/>
             </a:solidFill>
             <a:round/>
-            <a:tailEnd len="med" type="triangle" w="med"/>
+            <a:tailEnd type="triangle" w="med" len="med"/>
           </a:ln>
           <a:effectLst>
-            <a:outerShdw blurRad="40000" dir="5400000" dist="20000" rotWithShape="0">
+            <a:outerShdw blurRad="40000" dist="20000" dir="5400000" rotWithShape="0">
               <a:srgbClr val="000000">
                 <a:alpha val="38000"/>
               </a:srgbClr>
@@ -2643,12 +3103,12 @@
           </a:prstGeom>
           <a:ln w="19080">
             <a:solidFill>
-              <a:srgbClr val="7030a0"/>
+              <a:srgbClr val="7030A0"/>
             </a:solidFill>
             <a:round/>
           </a:ln>
           <a:effectLst>
-            <a:outerShdw blurRad="40000" dir="5400000" dist="20000" rotWithShape="0">
+            <a:outerShdw blurRad="40000" dist="20000" dir="5400000" rotWithShape="0">
               <a:srgbClr val="000000">
                 <a:alpha val="38000"/>
               </a:srgbClr>
@@ -2668,7 +3128,8 @@
           <a:fontRef idx="minor"/>
         </p:style>
         <p:txBody>
-          <a:bodyPr lIns="90000" rIns="90000" tIns="45000" bIns="45000" anchor="ctr"/>
+          <a:bodyPr lIns="90000" tIns="45000" rIns="90000" bIns="45000" anchor="ctr"/>
+          <a:lstStyle/>
           <a:p>
             <a:pPr algn="ctr">
               <a:lnSpc>
@@ -2676,15 +3137,15 @@
               </a:lnSpc>
             </a:pPr>
             <a:r>
-              <a:rPr b="0" lang="en-SG" sz="1050" spc="-1" strike="noStrike">
+              <a:rPr lang="en-SG" sz="1050" b="0" strike="noStrike" spc="-1">
                 <a:solidFill>
-                  <a:srgbClr val="7030a0"/>
+                  <a:srgbClr val="7030A0"/>
                 </a:solidFill>
                 <a:latin typeface="Calibri"/>
               </a:rPr>
               <a:t>StartTime</a:t>
             </a:r>
-            <a:endParaRPr b="0" lang="en-SG" sz="1050" spc="-1" strike="noStrike">
+            <a:endParaRPr lang="en-SG" sz="1050" b="0" strike="noStrike" spc="-1">
               <a:latin typeface="Arial"/>
             </a:endParaRPr>
           </a:p>
@@ -2705,16 +3166,16 @@
             <a:avLst/>
           </a:prstGeom>
           <a:solidFill>
-            <a:srgbClr val="7030a0"/>
+            <a:srgbClr val="7030A0"/>
           </a:solidFill>
           <a:ln w="19080">
             <a:solidFill>
-              <a:srgbClr val="7030a0"/>
+              <a:srgbClr val="7030A0"/>
             </a:solidFill>
             <a:round/>
           </a:ln>
           <a:effectLst>
-            <a:outerShdw blurRad="40000" dir="5400000" dist="20000" rotWithShape="0">
+            <a:outerShdw blurRad="40000" dist="20000" dir="5400000" rotWithShape="0">
               <a:srgbClr val="000000">
                 <a:alpha val="38000"/>
               </a:srgbClr>
@@ -2742,7 +3203,7 @@
         </p:nvSpPr>
         <p:spPr>
           <a:xfrm flipV="1">
-            <a:off x="7278120" y="2378880"/>
+            <a:off x="7292234" y="2705220"/>
             <a:ext cx="434160" cy="327240"/>
           </a:xfrm>
           <a:prstGeom prst="bentConnector3">
@@ -2752,13 +3213,13 @@
           </a:prstGeom>
           <a:ln w="19080">
             <a:solidFill>
-              <a:srgbClr val="7030a0"/>
+              <a:srgbClr val="7030A0"/>
             </a:solidFill>
             <a:round/>
-            <a:tailEnd len="med" type="triangle" w="med"/>
+            <a:tailEnd type="triangle" w="med" len="med"/>
           </a:ln>
           <a:effectLst>
-            <a:outerShdw blurRad="40000" dir="5400000" dist="20000" rotWithShape="0">
+            <a:outerShdw blurRad="40000" dist="20000" dir="5400000" rotWithShape="0">
               <a:srgbClr val="000000">
                 <a:alpha val="38000"/>
               </a:srgbClr>
@@ -2794,12 +3255,12 @@
           </a:prstGeom>
           <a:ln w="19080">
             <a:solidFill>
-              <a:srgbClr val="7030a0"/>
+              <a:srgbClr val="7030A0"/>
             </a:solidFill>
             <a:round/>
           </a:ln>
           <a:effectLst>
-            <a:outerShdw blurRad="40000" dir="5400000" dist="20000" rotWithShape="0">
+            <a:outerShdw blurRad="40000" dist="20000" dir="5400000" rotWithShape="0">
               <a:srgbClr val="000000">
                 <a:alpha val="38000"/>
               </a:srgbClr>
@@ -2819,7 +3280,8 @@
           <a:fontRef idx="minor"/>
         </p:style>
         <p:txBody>
-          <a:bodyPr lIns="90000" rIns="90000" tIns="45000" bIns="45000" anchor="ctr"/>
+          <a:bodyPr lIns="90000" tIns="45000" rIns="90000" bIns="45000" anchor="ctr"/>
+          <a:lstStyle/>
           <a:p>
             <a:pPr algn="ctr">
               <a:lnSpc>
@@ -2827,15 +3289,15 @@
               </a:lnSpc>
             </a:pPr>
             <a:r>
-              <a:rPr b="0" lang="en-SG" sz="1050" spc="-1" strike="noStrike">
+              <a:rPr lang="en-SG" sz="1050" b="0" strike="noStrike" spc="-1">
                 <a:solidFill>
-                  <a:srgbClr val="7030a0"/>
+                  <a:srgbClr val="7030A0"/>
                 </a:solidFill>
                 <a:latin typeface="Calibri"/>
               </a:rPr>
               <a:t>EndTime</a:t>
             </a:r>
-            <a:endParaRPr b="0" lang="en-SG" sz="1050" spc="-1" strike="noStrike">
+            <a:endParaRPr lang="en-SG" sz="1050" b="0" strike="noStrike" spc="-1">
               <a:latin typeface="Arial"/>
             </a:endParaRPr>
           </a:p>
@@ -2859,13 +3321,13 @@
           </a:prstGeom>
           <a:ln w="19080">
             <a:solidFill>
-              <a:srgbClr val="7030a0"/>
+              <a:srgbClr val="7030A0"/>
             </a:solidFill>
             <a:round/>
-            <a:tailEnd len="med" type="triangle" w="med"/>
+            <a:tailEnd type="triangle" w="med" len="med"/>
           </a:ln>
           <a:effectLst>
-            <a:outerShdw blurRad="40000" dir="5400000" dist="20000" rotWithShape="0">
+            <a:outerShdw blurRad="40000" dist="20000" dir="5400000" rotWithShape="0">
               <a:srgbClr val="000000">
                 <a:alpha val="38000"/>
               </a:srgbClr>
@@ -2901,12 +3363,12 @@
           </a:prstGeom>
           <a:ln w="19080">
             <a:solidFill>
-              <a:srgbClr val="7030a0"/>
+              <a:srgbClr val="7030A0"/>
             </a:solidFill>
             <a:round/>
           </a:ln>
           <a:effectLst>
-            <a:outerShdw blurRad="40000" dir="5400000" dist="20000" rotWithShape="0">
+            <a:outerShdw blurRad="40000" dist="20000" dir="5400000" rotWithShape="0">
               <a:srgbClr val="000000">
                 <a:alpha val="38000"/>
               </a:srgbClr>
@@ -2926,7 +3388,8 @@
           <a:fontRef idx="minor"/>
         </p:style>
         <p:txBody>
-          <a:bodyPr lIns="90000" rIns="90000" tIns="45000" bIns="45000" anchor="ctr"/>
+          <a:bodyPr lIns="90000" tIns="45000" rIns="90000" bIns="45000" anchor="ctr"/>
+          <a:lstStyle/>
           <a:p>
             <a:pPr algn="ctr">
               <a:lnSpc>
@@ -2934,15 +3397,15 @@
               </a:lnSpc>
             </a:pPr>
             <a:r>
-              <a:rPr b="0" lang="en-SG" sz="1050" spc="-1" strike="noStrike">
+              <a:rPr lang="en-SG" sz="1050" b="0" strike="noStrike" spc="-1">
                 <a:solidFill>
-                  <a:srgbClr val="7030a0"/>
+                  <a:srgbClr val="7030A0"/>
                 </a:solidFill>
                 <a:latin typeface="Calibri"/>
               </a:rPr>
               <a:t>SafetyStop</a:t>
             </a:r>
-            <a:endParaRPr b="0" lang="en-SG" sz="1050" spc="-1" strike="noStrike">
+            <a:endParaRPr lang="en-SG" sz="1050" b="0" strike="noStrike" spc="-1">
               <a:latin typeface="Arial"/>
             </a:endParaRPr>
           </a:p>
@@ -2966,13 +3429,13 @@
           </a:prstGeom>
           <a:ln w="19080">
             <a:solidFill>
-              <a:srgbClr val="7030a0"/>
+              <a:srgbClr val="7030A0"/>
             </a:solidFill>
             <a:round/>
-            <a:tailEnd len="med" type="triangle" w="med"/>
+            <a:tailEnd type="triangle" w="med" len="med"/>
           </a:ln>
           <a:effectLst>
-            <a:outerShdw blurRad="40000" dir="5400000" dist="20000" rotWithShape="0">
+            <a:outerShdw blurRad="40000" dist="20000" dir="5400000" rotWithShape="0">
               <a:srgbClr val="000000">
                 <a:alpha val="38000"/>
               </a:srgbClr>
@@ -3008,12 +3471,12 @@
           </a:prstGeom>
           <a:ln w="19080">
             <a:solidFill>
-              <a:srgbClr val="7030a0"/>
+              <a:srgbClr val="7030A0"/>
             </a:solidFill>
             <a:round/>
           </a:ln>
           <a:effectLst>
-            <a:outerShdw blurRad="40000" dir="5400000" dist="20000" rotWithShape="0">
+            <a:outerShdw blurRad="40000" dist="20000" dir="5400000" rotWithShape="0">
               <a:srgbClr val="000000">
                 <a:alpha val="38000"/>
               </a:srgbClr>
@@ -3033,7 +3496,8 @@
           <a:fontRef idx="minor"/>
         </p:style>
         <p:txBody>
-          <a:bodyPr lIns="90000" rIns="90000" tIns="45000" bIns="45000" anchor="ctr"/>
+          <a:bodyPr lIns="90000" tIns="45000" rIns="90000" bIns="45000" anchor="ctr"/>
+          <a:lstStyle/>
           <a:p>
             <a:pPr algn="ctr">
               <a:lnSpc>
@@ -3041,15 +3505,15 @@
               </a:lnSpc>
             </a:pPr>
             <a:r>
-              <a:rPr b="0" lang="en-SG" sz="1050" spc="-1" strike="noStrike">
+              <a:rPr lang="en-SG" sz="1050" b="0" strike="noStrike" spc="-1">
                 <a:solidFill>
-                  <a:srgbClr val="7030a0"/>
+                  <a:srgbClr val="7030A0"/>
                 </a:solidFill>
                 <a:latin typeface="Calibri"/>
               </a:rPr>
               <a:t>Etc..</a:t>
             </a:r>
-            <a:endParaRPr b="0" lang="en-SG" sz="1050" spc="-1" strike="noStrike">
+            <a:endParaRPr lang="en-SG" sz="1050" b="0" strike="noStrike" spc="-1">
               <a:latin typeface="Arial"/>
             </a:endParaRPr>
           </a:p>
@@ -3073,13 +3537,13 @@
           </a:prstGeom>
           <a:ln w="19080">
             <a:solidFill>
-              <a:srgbClr val="7030a0"/>
+              <a:srgbClr val="7030A0"/>
             </a:solidFill>
             <a:round/>
-            <a:tailEnd len="med" type="triangle" w="med"/>
+            <a:tailEnd type="triangle" w="med" len="med"/>
           </a:ln>
           <a:effectLst>
-            <a:outerShdw blurRad="40000" dir="5400000" dist="20000" rotWithShape="0">
+            <a:outerShdw blurRad="40000" dist="20000" dir="5400000" rotWithShape="0">
               <a:srgbClr val="000000">
                 <a:alpha val="38000"/>
               </a:srgbClr>
@@ -3119,13 +3583,20 @@
           </a:ln>
         </p:spPr>
         <p:style>
-          <a:lnRef idx="0"/>
-          <a:fillRef idx="0"/>
-          <a:effectRef idx="0"/>
+          <a:lnRef idx="0">
+            <a:scrgbClr r="0" g="0" b="0"/>
+          </a:lnRef>
+          <a:fillRef idx="0">
+            <a:scrgbClr r="0" g="0" b="0"/>
+          </a:fillRef>
+          <a:effectRef idx="0">
+            <a:scrgbClr r="0" g="0" b="0"/>
+          </a:effectRef>
           <a:fontRef idx="minor"/>
         </p:style>
         <p:txBody>
-          <a:bodyPr lIns="90000" rIns="90000" tIns="45000" bIns="45000"/>
+          <a:bodyPr lIns="90000" tIns="45000" rIns="90000" bIns="45000"/>
+          <a:lstStyle/>
           <a:p>
             <a:pPr algn="r">
               <a:lnSpc>
@@ -3133,15 +3604,15 @@
               </a:lnSpc>
             </a:pPr>
             <a:r>
-              <a:rPr b="0" lang="en-SG" sz="1100" spc="-1" strike="noStrike">
+              <a:rPr lang="en-SG" sz="1100" b="0" strike="noStrike" spc="-1">
                 <a:solidFill>
-                  <a:srgbClr val="7030a0"/>
+                  <a:srgbClr val="7030A0"/>
                 </a:solidFill>
                 <a:latin typeface="Calibri"/>
               </a:rPr>
               <a:t>filtered list</a:t>
             </a:r>
-            <a:endParaRPr b="0" lang="en-SG" sz="1100" spc="-1" strike="noStrike">
+            <a:endParaRPr lang="en-SG" sz="1100" b="0" strike="noStrike" spc="-1">
               <a:latin typeface="Arial"/>
             </a:endParaRPr>
           </a:p>
@@ -3163,12 +3634,12 @@
           </a:prstGeom>
           <a:ln w="19080">
             <a:solidFill>
-              <a:srgbClr val="7030a0"/>
+              <a:srgbClr val="7030A0"/>
             </a:solidFill>
             <a:round/>
           </a:ln>
           <a:effectLst>
-            <a:outerShdw blurRad="40000" dir="5400000" dist="20000" rotWithShape="0">
+            <a:outerShdw blurRad="40000" dist="20000" dir="5400000" rotWithShape="0">
               <a:srgbClr val="000000">
                 <a:alpha val="38000"/>
               </a:srgbClr>
@@ -3188,7 +3659,8 @@
           <a:fontRef idx="minor"/>
         </p:style>
         <p:txBody>
-          <a:bodyPr lIns="90000" rIns="90000" tIns="45000" bIns="45000" anchor="ctr"/>
+          <a:bodyPr lIns="90000" tIns="45000" rIns="90000" bIns="45000" anchor="ctr"/>
+          <a:lstStyle/>
           <a:p>
             <a:pPr algn="ctr">
               <a:lnSpc>
@@ -3196,9 +3668,9 @@
               </a:lnSpc>
             </a:pPr>
             <a:r>
-              <a:rPr b="0" lang="en-SG" sz="1050" spc="-1" strike="noStrike">
+              <a:rPr lang="en-SG" sz="1050" b="0" strike="noStrike" spc="-1">
                 <a:solidFill>
-                  <a:srgbClr val="7030a0"/>
+                  <a:srgbClr val="7030A0"/>
                 </a:solidFill>
                 <a:latin typeface="Calibri"/>
               </a:rPr>
@@ -3206,15 +3678,15 @@
             </a:r>
             <a:br/>
             <a:r>
-              <a:rPr b="0" lang="en-SG" sz="1050" spc="-1" strike="noStrike">
+              <a:rPr lang="en-SG" sz="1050" b="0" strike="noStrike" spc="-1">
                 <a:solidFill>
-                  <a:srgbClr val="7030a0"/>
+                  <a:srgbClr val="7030A0"/>
                 </a:solidFill>
                 <a:latin typeface="Calibri"/>
               </a:rPr>
               <a:t>ObservableList</a:t>
             </a:r>
-            <a:endParaRPr b="0" lang="en-SG" sz="1050" spc="-1" strike="noStrike">
+            <a:endParaRPr lang="en-SG" sz="1050" b="0" strike="noStrike" spc="-1">
               <a:latin typeface="Arial"/>
             </a:endParaRPr>
           </a:p>
@@ -3227,7 +3699,7 @@
           <p:nvPr/>
         </p:nvSpPr>
         <p:spPr>
-          <a:xfrm flipH="1" rot="16200000">
+          <a:xfrm rot="16200000" flipH="1">
             <a:off x="1364040" y="3719880"/>
             <a:ext cx="831240" cy="554040"/>
           </a:xfrm>
@@ -3236,16 +3708,16 @@
           </a:prstGeom>
           <a:ln w="19080">
             <a:solidFill>
-              <a:srgbClr val="7030a0"/>
+              <a:srgbClr val="7030A0"/>
             </a:solidFill>
             <a:custDash>
               <a:ds d="100000" sp="100000"/>
             </a:custDash>
             <a:round/>
-            <a:tailEnd len="med" type="triangle" w="med"/>
+            <a:tailEnd type="triangle" w="med" len="med"/>
           </a:ln>
           <a:effectLst>
-            <a:outerShdw blurRad="40000" dir="5400000" dist="20000" rotWithShape="0">
+            <a:outerShdw blurRad="40000" dist="20000" dir="5400000" rotWithShape="0">
               <a:srgbClr val="000000">
                 <a:alpha val="38000"/>
               </a:srgbClr>
@@ -3285,13 +3757,20 @@
           </a:ln>
         </p:spPr>
         <p:style>
-          <a:lnRef idx="0"/>
-          <a:fillRef idx="0"/>
-          <a:effectRef idx="0"/>
+          <a:lnRef idx="0">
+            <a:scrgbClr r="0" g="0" b="0"/>
+          </a:lnRef>
+          <a:fillRef idx="0">
+            <a:scrgbClr r="0" g="0" b="0"/>
+          </a:fillRef>
+          <a:effectRef idx="0">
+            <a:scrgbClr r="0" g="0" b="0"/>
+          </a:effectRef>
           <a:fontRef idx="minor"/>
         </p:style>
         <p:txBody>
-          <a:bodyPr lIns="0" rIns="0" tIns="0" bIns="0"/>
+          <a:bodyPr lIns="0" tIns="0" rIns="0" bIns="0"/>
+          <a:lstStyle/>
           <a:p>
             <a:pPr algn="ctr">
               <a:lnSpc>
@@ -3299,15 +3778,15 @@
               </a:lnSpc>
             </a:pPr>
             <a:r>
-              <a:rPr b="0" lang="en-SG" sz="1100" spc="-1" strike="noStrike">
+              <a:rPr lang="en-SG" sz="1100" b="0" strike="noStrike" spc="-1">
                 <a:solidFill>
-                  <a:srgbClr val="7030a0"/>
+                  <a:srgbClr val="7030A0"/>
                 </a:solidFill>
                 <a:latin typeface="Calibri"/>
               </a:rPr>
               <a:t>1</a:t>
             </a:r>
-            <a:endParaRPr b="0" lang="en-SG" sz="1100" spc="-1" strike="noStrike">
+            <a:endParaRPr lang="en-SG" sz="1100" b="0" strike="noStrike" spc="-1">
               <a:latin typeface="Arial"/>
             </a:endParaRPr>
           </a:p>
@@ -3333,13 +3812,20 @@
           </a:ln>
         </p:spPr>
         <p:style>
-          <a:lnRef idx="0"/>
-          <a:fillRef idx="0"/>
-          <a:effectRef idx="0"/>
+          <a:lnRef idx="0">
+            <a:scrgbClr r="0" g="0" b="0"/>
+          </a:lnRef>
+          <a:fillRef idx="0">
+            <a:scrgbClr r="0" g="0" b="0"/>
+          </a:fillRef>
+          <a:effectRef idx="0">
+            <a:scrgbClr r="0" g="0" b="0"/>
+          </a:effectRef>
           <a:fontRef idx="minor"/>
         </p:style>
         <p:txBody>
-          <a:bodyPr lIns="0" rIns="0" tIns="0" bIns="0"/>
+          <a:bodyPr lIns="0" tIns="0" rIns="0" bIns="0"/>
+          <a:lstStyle/>
           <a:p>
             <a:pPr algn="ctr">
               <a:lnSpc>
@@ -3347,15 +3833,15 @@
               </a:lnSpc>
             </a:pPr>
             <a:r>
-              <a:rPr b="0" lang="en-SG" sz="1100" spc="-1" strike="noStrike">
+              <a:rPr lang="en-SG" sz="1100" b="0" strike="noStrike" spc="-1">
                 <a:solidFill>
-                  <a:srgbClr val="7030a0"/>
+                  <a:srgbClr val="7030A0"/>
                 </a:solidFill>
                 <a:latin typeface="Calibri"/>
               </a:rPr>
               <a:t>*</a:t>
             </a:r>
-            <a:endParaRPr b="0" lang="en-SG" sz="1100" spc="-1" strike="noStrike">
+            <a:endParaRPr lang="en-SG" sz="1100" b="0" strike="noStrike" spc="-1">
               <a:latin typeface="Arial"/>
             </a:endParaRPr>
           </a:p>
@@ -3381,13 +3867,20 @@
           </a:ln>
         </p:spPr>
         <p:style>
-          <a:lnRef idx="0"/>
-          <a:fillRef idx="0"/>
-          <a:effectRef idx="0"/>
+          <a:lnRef idx="0">
+            <a:scrgbClr r="0" g="0" b="0"/>
+          </a:lnRef>
+          <a:fillRef idx="0">
+            <a:scrgbClr r="0" g="0" b="0"/>
+          </a:fillRef>
+          <a:effectRef idx="0">
+            <a:scrgbClr r="0" g="0" b="0"/>
+          </a:effectRef>
           <a:fontRef idx="minor"/>
         </p:style>
         <p:txBody>
-          <a:bodyPr lIns="0" rIns="0" tIns="0" bIns="0"/>
+          <a:bodyPr lIns="0" tIns="0" rIns="0" bIns="0"/>
+          <a:lstStyle/>
           <a:p>
             <a:pPr algn="ctr">
               <a:lnSpc>
@@ -3395,15 +3888,15 @@
               </a:lnSpc>
             </a:pPr>
             <a:r>
-              <a:rPr b="0" lang="en-SG" sz="1100" spc="-1" strike="noStrike">
+              <a:rPr lang="en-SG" sz="1100" b="0" strike="noStrike" spc="-1">
                 <a:solidFill>
-                  <a:srgbClr val="7030a0"/>
+                  <a:srgbClr val="7030A0"/>
                 </a:solidFill>
                 <a:latin typeface="Calibri"/>
               </a:rPr>
               <a:t>1</a:t>
             </a:r>
-            <a:endParaRPr b="0" lang="en-SG" sz="1100" spc="-1" strike="noStrike">
+            <a:endParaRPr lang="en-SG" sz="1100" b="0" strike="noStrike" spc="-1">
               <a:latin typeface="Arial"/>
             </a:endParaRPr>
           </a:p>
@@ -3429,13 +3922,20 @@
           </a:ln>
         </p:spPr>
         <p:style>
-          <a:lnRef idx="0"/>
-          <a:fillRef idx="0"/>
-          <a:effectRef idx="0"/>
+          <a:lnRef idx="0">
+            <a:scrgbClr r="0" g="0" b="0"/>
+          </a:lnRef>
+          <a:fillRef idx="0">
+            <a:scrgbClr r="0" g="0" b="0"/>
+          </a:fillRef>
+          <a:effectRef idx="0">
+            <a:scrgbClr r="0" g="0" b="0"/>
+          </a:effectRef>
           <a:fontRef idx="minor"/>
         </p:style>
         <p:txBody>
-          <a:bodyPr lIns="0" rIns="0" tIns="0" bIns="0"/>
+          <a:bodyPr lIns="0" tIns="0" rIns="0" bIns="0"/>
+          <a:lstStyle/>
           <a:p>
             <a:pPr algn="ctr">
               <a:lnSpc>
@@ -3443,15 +3943,15 @@
               </a:lnSpc>
             </a:pPr>
             <a:r>
-              <a:rPr b="0" lang="en-SG" sz="1100" spc="-1" strike="noStrike">
+              <a:rPr lang="en-SG" sz="1100" b="0" strike="noStrike" spc="-1">
                 <a:solidFill>
-                  <a:srgbClr val="7030a0"/>
+                  <a:srgbClr val="7030A0"/>
                 </a:solidFill>
                 <a:latin typeface="Calibri"/>
               </a:rPr>
               <a:t>1</a:t>
             </a:r>
-            <a:endParaRPr b="0" lang="en-SG" sz="1100" spc="-1" strike="noStrike">
+            <a:endParaRPr lang="en-SG" sz="1100" b="0" strike="noStrike" spc="-1">
               <a:latin typeface="Arial"/>
             </a:endParaRPr>
           </a:p>
@@ -3477,13 +3977,20 @@
           </a:ln>
         </p:spPr>
         <p:style>
-          <a:lnRef idx="0"/>
-          <a:fillRef idx="0"/>
-          <a:effectRef idx="0"/>
+          <a:lnRef idx="0">
+            <a:scrgbClr r="0" g="0" b="0"/>
+          </a:lnRef>
+          <a:fillRef idx="0">
+            <a:scrgbClr r="0" g="0" b="0"/>
+          </a:fillRef>
+          <a:effectRef idx="0">
+            <a:scrgbClr r="0" g="0" b="0"/>
+          </a:effectRef>
           <a:fontRef idx="minor"/>
         </p:style>
         <p:txBody>
-          <a:bodyPr lIns="0" rIns="0" tIns="0" bIns="0"/>
+          <a:bodyPr lIns="0" tIns="0" rIns="0" bIns="0"/>
+          <a:lstStyle/>
           <a:p>
             <a:pPr algn="ctr">
               <a:lnSpc>
@@ -3491,15 +3998,15 @@
               </a:lnSpc>
             </a:pPr>
             <a:r>
-              <a:rPr b="0" lang="en-SG" sz="1100" spc="-1" strike="noStrike">
+              <a:rPr lang="en-SG" sz="1100" b="0" strike="noStrike" spc="-1">
                 <a:solidFill>
-                  <a:srgbClr val="7030a0"/>
+                  <a:srgbClr val="7030A0"/>
                 </a:solidFill>
                 <a:latin typeface="Calibri"/>
               </a:rPr>
               <a:t>1</a:t>
             </a:r>
-            <a:endParaRPr b="0" lang="en-SG" sz="1100" spc="-1" strike="noStrike">
+            <a:endParaRPr lang="en-SG" sz="1100" b="0" strike="noStrike" spc="-1">
               <a:latin typeface="Arial"/>
             </a:endParaRPr>
           </a:p>
@@ -3523,7 +4030,7 @@
           </a:prstGeom>
           <a:ln w="19080">
             <a:solidFill>
-              <a:srgbClr val="7030a0"/>
+              <a:srgbClr val="7030A0"/>
             </a:solidFill>
             <a:custDash>
               <a:ds d="100000" sp="100000"/>
@@ -3531,7 +4038,7 @@
             <a:round/>
           </a:ln>
           <a:effectLst>
-            <a:outerShdw blurRad="40000" dir="5400000" dist="20000" rotWithShape="0">
+            <a:outerShdw blurRad="40000" dist="20000" dir="5400000" rotWithShape="0">
               <a:srgbClr val="000000">
                 <a:alpha val="38000"/>
               </a:srgbClr>
@@ -3558,7 +4065,7 @@
           <p:nvPr/>
         </p:nvSpPr>
         <p:spPr>
-          <a:xfrm flipV="1" rot="10800000">
+          <a:xfrm rot="10800000" flipV="1">
             <a:off x="3761640" y="2542680"/>
             <a:ext cx="281880" cy="156600"/>
           </a:xfrm>
@@ -3569,12 +4076,12 @@
           </a:prstGeom>
           <a:ln w="19080">
             <a:solidFill>
-              <a:srgbClr val="7030a0"/>
+              <a:srgbClr val="7030A0"/>
             </a:solidFill>
             <a:round/>
           </a:ln>
           <a:effectLst>
-            <a:outerShdw blurRad="40000" dir="5400000" dist="20000" rotWithShape="0">
+            <a:outerShdw blurRad="40000" dist="20000" dir="5400000" rotWithShape="0">
               <a:srgbClr val="000000">
                 <a:alpha val="38000"/>
               </a:srgbClr>
@@ -3610,12 +4117,12 @@
           </a:prstGeom>
           <a:ln w="19080">
             <a:solidFill>
-              <a:srgbClr val="7030a0"/>
+              <a:srgbClr val="7030A0"/>
             </a:solidFill>
             <a:round/>
           </a:ln>
           <a:effectLst>
-            <a:outerShdw blurRad="40000" dir="5400000" dist="20000" rotWithShape="0">
+            <a:outerShdw blurRad="40000" dist="20000" dir="5400000" rotWithShape="0">
               <a:srgbClr val="000000">
                 <a:alpha val="38000"/>
               </a:srgbClr>
@@ -3635,7 +4142,8 @@
           <a:fontRef idx="minor"/>
         </p:style>
         <p:txBody>
-          <a:bodyPr lIns="90000" rIns="90000" tIns="45000" bIns="45000" anchor="ctr"/>
+          <a:bodyPr lIns="90000" tIns="45000" rIns="90000" bIns="45000" anchor="ctr"/>
+          <a:lstStyle/>
           <a:p>
             <a:pPr algn="ctr">
               <a:lnSpc>
@@ -3643,9 +4151,9 @@
               </a:lnSpc>
             </a:pPr>
             <a:r>
-              <a:rPr b="0" lang="en-SG" sz="1050" spc="-1" strike="noStrike">
+              <a:rPr lang="en-SG" sz="1050" b="0" strike="noStrike" spc="-1">
                 <a:solidFill>
-                  <a:srgbClr val="7030a0"/>
+                  <a:srgbClr val="7030A0"/>
                 </a:solidFill>
                 <a:latin typeface="Calibri"/>
               </a:rPr>
@@ -3653,15 +4161,15 @@
             </a:r>
             <a:br/>
             <a:r>
-              <a:rPr b="0" lang="en-SG" sz="1050" spc="-1" strike="noStrike">
+              <a:rPr lang="en-SG" sz="1050" b="0" strike="noStrike" spc="-1">
                 <a:solidFill>
-                  <a:srgbClr val="7030a0"/>
+                  <a:srgbClr val="7030A0"/>
                 </a:solidFill>
                 <a:latin typeface="Calibri"/>
               </a:rPr>
               <a:t>ReadOnlyDiveLog</a:t>
             </a:r>
-            <a:endParaRPr b="0" lang="en-SG" sz="1050" spc="-1" strike="noStrike">
+            <a:endParaRPr lang="en-SG" sz="1050" b="0" strike="noStrike" spc="-1">
               <a:latin typeface="Arial"/>
             </a:endParaRPr>
           </a:p>
@@ -3683,12 +4191,12 @@
           </a:prstGeom>
           <a:ln w="19080">
             <a:solidFill>
-              <a:srgbClr val="7030a0"/>
+              <a:srgbClr val="7030A0"/>
             </a:solidFill>
             <a:round/>
           </a:ln>
           <a:effectLst>
-            <a:outerShdw blurRad="40000" dir="5400000" dist="20000" rotWithShape="0">
+            <a:outerShdw blurRad="40000" dist="20000" dir="5400000" rotWithShape="0">
               <a:srgbClr val="000000">
                 <a:alpha val="38000"/>
               </a:srgbClr>
@@ -3708,7 +4216,8 @@
           <a:fontRef idx="minor"/>
         </p:style>
         <p:txBody>
-          <a:bodyPr lIns="90000" rIns="90000" tIns="45000" bIns="45000" anchor="ctr"/>
+          <a:bodyPr lIns="90000" tIns="45000" rIns="90000" bIns="45000" anchor="ctr"/>
+          <a:lstStyle/>
           <a:p>
             <a:pPr algn="ctr">
               <a:lnSpc>
@@ -3716,15 +4225,15 @@
               </a:lnSpc>
             </a:pPr>
             <a:r>
-              <a:rPr b="0" lang="en-SG" sz="1050" spc="-1" strike="noStrike">
+              <a:rPr lang="en-SG" sz="1050" b="0" strike="noStrike" spc="-1">
                 <a:solidFill>
-                  <a:srgbClr val="7030a0"/>
+                  <a:srgbClr val="7030A0"/>
                 </a:solidFill>
                 <a:latin typeface="Calibri"/>
               </a:rPr>
               <a:t>DiveLog</a:t>
             </a:r>
-            <a:endParaRPr b="0" lang="en-SG" sz="1050" spc="-1" strike="noStrike">
+            <a:endParaRPr lang="en-SG" sz="1050" b="0" strike="noStrike" spc="-1">
               <a:latin typeface="Arial"/>
             </a:endParaRPr>
           </a:p>
@@ -3754,12 +4263,12 @@
           </a:solidFill>
           <a:ln w="19080">
             <a:solidFill>
-              <a:srgbClr val="7030a0"/>
+              <a:srgbClr val="7030A0"/>
             </a:solidFill>
             <a:round/>
           </a:ln>
           <a:effectLst>
-            <a:outerShdw blurRad="40000" dir="5400000" dist="20000" rotWithShape="0">
+            <a:outerShdw blurRad="40000" dist="20000" dir="5400000" rotWithShape="0">
               <a:srgbClr val="000000">
                 <a:alpha val="38000"/>
               </a:srgbClr>
@@ -3797,7 +4306,7 @@
           </a:prstGeom>
           <a:ln w="19080">
             <a:solidFill>
-              <a:srgbClr val="7030a0"/>
+              <a:srgbClr val="7030A0"/>
             </a:solidFill>
             <a:custDash>
               <a:ds d="100000" sp="100000"/>
@@ -3805,7 +4314,7 @@
             <a:round/>
           </a:ln>
           <a:effectLst>
-            <a:outerShdw blurRad="40000" dir="5400000" dist="20000" rotWithShape="0">
+            <a:outerShdw blurRad="40000" dist="20000" dir="5400000" rotWithShape="0">
               <a:srgbClr val="000000">
                 <a:alpha val="38000"/>
               </a:srgbClr>
@@ -3827,6 +4336,9 @@
       </p:sp>
     </p:spTree>
   </p:cSld>
+  <p:clrMapOvr>
+    <a:masterClrMapping/>
+  </p:clrMapOvr>
   <p:timing>
     <p:tnLst>
       <p:par>
@@ -3835,14 +4347,14 @@
             <p:seq>
               <p:cTn id="2" dur="indefinite" nodeType="mainSeq"/>
               <p:prevCondLst>
-                <p:cond delay="0" evt="onPrev">
+                <p:cond evt="onPrev" delay="0">
                   <p:tgtEl>
                     <p:sldTgt/>
                   </p:tgtEl>
                 </p:cond>
               </p:prevCondLst>
               <p:nextCondLst>
-                <p:cond delay="0" evt="onNext">
+                <p:cond evt="onNext" delay="0">
                   <p:tgtEl>
                     <p:sldTgt/>
                   </p:tgtEl>
@@ -3868,31 +4380,31 @@
         <a:sysClr val="window" lastClr="FFFFFF"/>
       </a:lt1>
       <a:dk2>
-        <a:srgbClr val="1f497d"/>
+        <a:srgbClr val="1F497D"/>
       </a:dk2>
       <a:lt2>
-        <a:srgbClr val="eeece1"/>
+        <a:srgbClr val="EEECE1"/>
       </a:lt2>
       <a:accent1>
-        <a:srgbClr val="4f81bd"/>
+        <a:srgbClr val="4F81BD"/>
       </a:accent1>
       <a:accent2>
-        <a:srgbClr val="c0504d"/>
+        <a:srgbClr val="C0504D"/>
       </a:accent2>
       <a:accent3>
-        <a:srgbClr val="9bbb59"/>
+        <a:srgbClr val="9BBB59"/>
       </a:accent3>
       <a:accent4>
-        <a:srgbClr val="8064a2"/>
+        <a:srgbClr val="8064A2"/>
       </a:accent4>
       <a:accent5>
-        <a:srgbClr val="4bacc6"/>
+        <a:srgbClr val="4BACC6"/>
       </a:accent5>
       <a:accent6>
-        <a:srgbClr val="f79646"/>
+        <a:srgbClr val="F79646"/>
       </a:accent6>
       <a:hlink>
-        <a:srgbClr val="0000ff"/>
+        <a:srgbClr val="0000FF"/>
       </a:hlink>
       <a:folHlink>
         <a:srgbClr val="800080"/>
@@ -4077,5 +4589,7 @@
       </a:bgFillStyleLst>
     </a:fmtScheme>
   </a:themeElements>
+  <a:objectDefaults/>
+  <a:extraClrSchemeLst/>
 </a:theme>
 </file>